--- a/ppt/2024-06-18.pptx
+++ b/ppt/2024-06-18.pptx
@@ -221,7 +221,7 @@
           <a:p>
             <a:fld id="{D62FB7CB-A6F2-4CC7-8F40-B26ED59EB52F}" type="datetimeFigureOut">
               <a:rPr lang="ko-KR" altLang="en-US" smtClean="0"/>
-              <a:t>2024-06-25</a:t>
+              <a:t>2024-06-30</a:t>
             </a:fld>
             <a:endParaRPr lang="ko-KR" altLang="en-US"/>
           </a:p>
@@ -678,7 +678,7 @@
           <p:cNvPr id="2" name="제목 1">
             <a:extLst>
               <a:ext uri="{FF2B5EF4-FFF2-40B4-BE49-F238E27FC236}">
-                <a16:creationId xmlns:a16="http://schemas.microsoft.com/office/drawing/2014/main" id="{7C2168E0-79CC-5362-85A9-F72C9588B546}"/>
+                <a16:creationId xmlns:a16="http://schemas.microsoft.com/office/drawing/2014/main" xmlns="" id="{7C2168E0-79CC-5362-85A9-F72C9588B546}"/>
               </a:ext>
             </a:extLst>
           </p:cNvPr>
@@ -715,7 +715,7 @@
           <p:cNvPr id="3" name="부제목 2">
             <a:extLst>
               <a:ext uri="{FF2B5EF4-FFF2-40B4-BE49-F238E27FC236}">
-                <a16:creationId xmlns:a16="http://schemas.microsoft.com/office/drawing/2014/main" id="{10449D35-0808-D47F-69BB-B63D40F5A675}"/>
+                <a16:creationId xmlns:a16="http://schemas.microsoft.com/office/drawing/2014/main" xmlns="" id="{10449D35-0808-D47F-69BB-B63D40F5A675}"/>
               </a:ext>
             </a:extLst>
           </p:cNvPr>
@@ -785,7 +785,7 @@
           <p:cNvPr id="4" name="날짜 개체 틀 3">
             <a:extLst>
               <a:ext uri="{FF2B5EF4-FFF2-40B4-BE49-F238E27FC236}">
-                <a16:creationId xmlns:a16="http://schemas.microsoft.com/office/drawing/2014/main" id="{429F02AD-DA48-9FD8-465E-0DC278D93DCF}"/>
+                <a16:creationId xmlns:a16="http://schemas.microsoft.com/office/drawing/2014/main" xmlns="" id="{429F02AD-DA48-9FD8-465E-0DC278D93DCF}"/>
               </a:ext>
             </a:extLst>
           </p:cNvPr>
@@ -803,7 +803,7 @@
           <a:p>
             <a:fld id="{E2A38277-ABB5-4E4F-80E1-8DBDF3CCD645}" type="datetimeFigureOut">
               <a:rPr lang="ko-KR" altLang="en-US" smtClean="0"/>
-              <a:t>2024-06-25</a:t>
+              <a:t>2024-06-30</a:t>
             </a:fld>
             <a:endParaRPr lang="ko-KR" altLang="en-US"/>
           </a:p>
@@ -814,7 +814,7 @@
           <p:cNvPr id="5" name="바닥글 개체 틀 4">
             <a:extLst>
               <a:ext uri="{FF2B5EF4-FFF2-40B4-BE49-F238E27FC236}">
-                <a16:creationId xmlns:a16="http://schemas.microsoft.com/office/drawing/2014/main" id="{83E5E520-77A6-FF26-D236-A21F02EA2B98}"/>
+                <a16:creationId xmlns:a16="http://schemas.microsoft.com/office/drawing/2014/main" xmlns="" id="{83E5E520-77A6-FF26-D236-A21F02EA2B98}"/>
               </a:ext>
             </a:extLst>
           </p:cNvPr>
@@ -839,7 +839,7 @@
           <p:cNvPr id="6" name="슬라이드 번호 개체 틀 5">
             <a:extLst>
               <a:ext uri="{FF2B5EF4-FFF2-40B4-BE49-F238E27FC236}">
-                <a16:creationId xmlns:a16="http://schemas.microsoft.com/office/drawing/2014/main" id="{7CE6BE85-1225-9869-9E92-9BD6370BF2C9}"/>
+                <a16:creationId xmlns:a16="http://schemas.microsoft.com/office/drawing/2014/main" xmlns="" id="{7CE6BE85-1225-9869-9E92-9BD6370BF2C9}"/>
               </a:ext>
             </a:extLst>
           </p:cNvPr>
@@ -898,7 +898,7 @@
           <p:cNvPr id="2" name="제목 1">
             <a:extLst>
               <a:ext uri="{FF2B5EF4-FFF2-40B4-BE49-F238E27FC236}">
-                <a16:creationId xmlns:a16="http://schemas.microsoft.com/office/drawing/2014/main" id="{3286C7C1-9D49-28C3-4CE0-DCDFEA912BF5}"/>
+                <a16:creationId xmlns:a16="http://schemas.microsoft.com/office/drawing/2014/main" xmlns="" id="{3286C7C1-9D49-28C3-4CE0-DCDFEA912BF5}"/>
               </a:ext>
             </a:extLst>
           </p:cNvPr>
@@ -926,7 +926,7 @@
           <p:cNvPr id="3" name="세로 텍스트 개체 틀 2">
             <a:extLst>
               <a:ext uri="{FF2B5EF4-FFF2-40B4-BE49-F238E27FC236}">
-                <a16:creationId xmlns:a16="http://schemas.microsoft.com/office/drawing/2014/main" id="{4A2DC9A1-2C94-8909-A1F7-89B6B50BA7E8}"/>
+                <a16:creationId xmlns:a16="http://schemas.microsoft.com/office/drawing/2014/main" xmlns="" id="{4A2DC9A1-2C94-8909-A1F7-89B6B50BA7E8}"/>
               </a:ext>
             </a:extLst>
           </p:cNvPr>
@@ -983,7 +983,7 @@
           <p:cNvPr id="4" name="날짜 개체 틀 3">
             <a:extLst>
               <a:ext uri="{FF2B5EF4-FFF2-40B4-BE49-F238E27FC236}">
-                <a16:creationId xmlns:a16="http://schemas.microsoft.com/office/drawing/2014/main" id="{D2855CFB-D93F-C61F-3061-B10AE5A071DF}"/>
+                <a16:creationId xmlns:a16="http://schemas.microsoft.com/office/drawing/2014/main" xmlns="" id="{D2855CFB-D93F-C61F-3061-B10AE5A071DF}"/>
               </a:ext>
             </a:extLst>
           </p:cNvPr>
@@ -1001,7 +1001,7 @@
           <a:p>
             <a:fld id="{E2A38277-ABB5-4E4F-80E1-8DBDF3CCD645}" type="datetimeFigureOut">
               <a:rPr lang="ko-KR" altLang="en-US" smtClean="0"/>
-              <a:t>2024-06-25</a:t>
+              <a:t>2024-06-30</a:t>
             </a:fld>
             <a:endParaRPr lang="ko-KR" altLang="en-US"/>
           </a:p>
@@ -1012,7 +1012,7 @@
           <p:cNvPr id="5" name="바닥글 개체 틀 4">
             <a:extLst>
               <a:ext uri="{FF2B5EF4-FFF2-40B4-BE49-F238E27FC236}">
-                <a16:creationId xmlns:a16="http://schemas.microsoft.com/office/drawing/2014/main" id="{B6637256-4890-26C4-0818-44BDA4E2228F}"/>
+                <a16:creationId xmlns:a16="http://schemas.microsoft.com/office/drawing/2014/main" xmlns="" id="{B6637256-4890-26C4-0818-44BDA4E2228F}"/>
               </a:ext>
             </a:extLst>
           </p:cNvPr>
@@ -1037,7 +1037,7 @@
           <p:cNvPr id="6" name="슬라이드 번호 개체 틀 5">
             <a:extLst>
               <a:ext uri="{FF2B5EF4-FFF2-40B4-BE49-F238E27FC236}">
-                <a16:creationId xmlns:a16="http://schemas.microsoft.com/office/drawing/2014/main" id="{BBD36591-FD1F-2BE0-8B30-841C57B6ACF0}"/>
+                <a16:creationId xmlns:a16="http://schemas.microsoft.com/office/drawing/2014/main" xmlns="" id="{BBD36591-FD1F-2BE0-8B30-841C57B6ACF0}"/>
               </a:ext>
             </a:extLst>
           </p:cNvPr>
@@ -1096,7 +1096,7 @@
           <p:cNvPr id="2" name="세로 제목 1">
             <a:extLst>
               <a:ext uri="{FF2B5EF4-FFF2-40B4-BE49-F238E27FC236}">
-                <a16:creationId xmlns:a16="http://schemas.microsoft.com/office/drawing/2014/main" id="{E5A4022A-E762-95E8-4C91-BFCA3CFDBCC9}"/>
+                <a16:creationId xmlns:a16="http://schemas.microsoft.com/office/drawing/2014/main" xmlns="" id="{E5A4022A-E762-95E8-4C91-BFCA3CFDBCC9}"/>
               </a:ext>
             </a:extLst>
           </p:cNvPr>
@@ -1129,7 +1129,7 @@
           <p:cNvPr id="3" name="세로 텍스트 개체 틀 2">
             <a:extLst>
               <a:ext uri="{FF2B5EF4-FFF2-40B4-BE49-F238E27FC236}">
-                <a16:creationId xmlns:a16="http://schemas.microsoft.com/office/drawing/2014/main" id="{4AEEED75-ED66-C15D-14F8-385683E63CFC}"/>
+                <a16:creationId xmlns:a16="http://schemas.microsoft.com/office/drawing/2014/main" xmlns="" id="{4AEEED75-ED66-C15D-14F8-385683E63CFC}"/>
               </a:ext>
             </a:extLst>
           </p:cNvPr>
@@ -1191,7 +1191,7 @@
           <p:cNvPr id="4" name="날짜 개체 틀 3">
             <a:extLst>
               <a:ext uri="{FF2B5EF4-FFF2-40B4-BE49-F238E27FC236}">
-                <a16:creationId xmlns:a16="http://schemas.microsoft.com/office/drawing/2014/main" id="{57C6D54B-C4DC-22DB-98C1-6E6E93C4E9A9}"/>
+                <a16:creationId xmlns:a16="http://schemas.microsoft.com/office/drawing/2014/main" xmlns="" id="{57C6D54B-C4DC-22DB-98C1-6E6E93C4E9A9}"/>
               </a:ext>
             </a:extLst>
           </p:cNvPr>
@@ -1209,7 +1209,7 @@
           <a:p>
             <a:fld id="{E2A38277-ABB5-4E4F-80E1-8DBDF3CCD645}" type="datetimeFigureOut">
               <a:rPr lang="ko-KR" altLang="en-US" smtClean="0"/>
-              <a:t>2024-06-25</a:t>
+              <a:t>2024-06-30</a:t>
             </a:fld>
             <a:endParaRPr lang="ko-KR" altLang="en-US"/>
           </a:p>
@@ -1220,7 +1220,7 @@
           <p:cNvPr id="5" name="바닥글 개체 틀 4">
             <a:extLst>
               <a:ext uri="{FF2B5EF4-FFF2-40B4-BE49-F238E27FC236}">
-                <a16:creationId xmlns:a16="http://schemas.microsoft.com/office/drawing/2014/main" id="{7237F8FA-5A66-CFD5-F50D-8A03F7B37998}"/>
+                <a16:creationId xmlns:a16="http://schemas.microsoft.com/office/drawing/2014/main" xmlns="" id="{7237F8FA-5A66-CFD5-F50D-8A03F7B37998}"/>
               </a:ext>
             </a:extLst>
           </p:cNvPr>
@@ -1245,7 +1245,7 @@
           <p:cNvPr id="6" name="슬라이드 번호 개체 틀 5">
             <a:extLst>
               <a:ext uri="{FF2B5EF4-FFF2-40B4-BE49-F238E27FC236}">
-                <a16:creationId xmlns:a16="http://schemas.microsoft.com/office/drawing/2014/main" id="{DD4253EB-2112-5D09-61FA-DB6E86EDFB41}"/>
+                <a16:creationId xmlns:a16="http://schemas.microsoft.com/office/drawing/2014/main" xmlns="" id="{DD4253EB-2112-5D09-61FA-DB6E86EDFB41}"/>
               </a:ext>
             </a:extLst>
           </p:cNvPr>
@@ -1304,7 +1304,7 @@
           <p:cNvPr id="2" name="제목 1">
             <a:extLst>
               <a:ext uri="{FF2B5EF4-FFF2-40B4-BE49-F238E27FC236}">
-                <a16:creationId xmlns:a16="http://schemas.microsoft.com/office/drawing/2014/main" id="{924F78D5-AF9A-6E15-7666-360AF81B4883}"/>
+                <a16:creationId xmlns:a16="http://schemas.microsoft.com/office/drawing/2014/main" xmlns="" id="{924F78D5-AF9A-6E15-7666-360AF81B4883}"/>
               </a:ext>
             </a:extLst>
           </p:cNvPr>
@@ -1332,7 +1332,7 @@
           <p:cNvPr id="3" name="내용 개체 틀 2">
             <a:extLst>
               <a:ext uri="{FF2B5EF4-FFF2-40B4-BE49-F238E27FC236}">
-                <a16:creationId xmlns:a16="http://schemas.microsoft.com/office/drawing/2014/main" id="{360667B5-9FD5-DA15-7039-7EBD90502956}"/>
+                <a16:creationId xmlns:a16="http://schemas.microsoft.com/office/drawing/2014/main" xmlns="" id="{360667B5-9FD5-DA15-7039-7EBD90502956}"/>
               </a:ext>
             </a:extLst>
           </p:cNvPr>
@@ -1389,7 +1389,7 @@
           <p:cNvPr id="4" name="날짜 개체 틀 3">
             <a:extLst>
               <a:ext uri="{FF2B5EF4-FFF2-40B4-BE49-F238E27FC236}">
-                <a16:creationId xmlns:a16="http://schemas.microsoft.com/office/drawing/2014/main" id="{23E6EB3E-70EA-80A7-56FB-FE2EA4D10F75}"/>
+                <a16:creationId xmlns:a16="http://schemas.microsoft.com/office/drawing/2014/main" xmlns="" id="{23E6EB3E-70EA-80A7-56FB-FE2EA4D10F75}"/>
               </a:ext>
             </a:extLst>
           </p:cNvPr>
@@ -1407,7 +1407,7 @@
           <a:p>
             <a:fld id="{E2A38277-ABB5-4E4F-80E1-8DBDF3CCD645}" type="datetimeFigureOut">
               <a:rPr lang="ko-KR" altLang="en-US" smtClean="0"/>
-              <a:t>2024-06-25</a:t>
+              <a:t>2024-06-30</a:t>
             </a:fld>
             <a:endParaRPr lang="ko-KR" altLang="en-US"/>
           </a:p>
@@ -1418,7 +1418,7 @@
           <p:cNvPr id="5" name="바닥글 개체 틀 4">
             <a:extLst>
               <a:ext uri="{FF2B5EF4-FFF2-40B4-BE49-F238E27FC236}">
-                <a16:creationId xmlns:a16="http://schemas.microsoft.com/office/drawing/2014/main" id="{A08E1F4A-45B5-0E64-F50E-3C027690F97A}"/>
+                <a16:creationId xmlns:a16="http://schemas.microsoft.com/office/drawing/2014/main" xmlns="" id="{A08E1F4A-45B5-0E64-F50E-3C027690F97A}"/>
               </a:ext>
             </a:extLst>
           </p:cNvPr>
@@ -1443,7 +1443,7 @@
           <p:cNvPr id="6" name="슬라이드 번호 개체 틀 5">
             <a:extLst>
               <a:ext uri="{FF2B5EF4-FFF2-40B4-BE49-F238E27FC236}">
-                <a16:creationId xmlns:a16="http://schemas.microsoft.com/office/drawing/2014/main" id="{910B5E1D-CC28-C0C5-E718-FD62B90EE23A}"/>
+                <a16:creationId xmlns:a16="http://schemas.microsoft.com/office/drawing/2014/main" xmlns="" id="{910B5E1D-CC28-C0C5-E718-FD62B90EE23A}"/>
               </a:ext>
             </a:extLst>
           </p:cNvPr>
@@ -1502,7 +1502,7 @@
           <p:cNvPr id="2" name="제목 1">
             <a:extLst>
               <a:ext uri="{FF2B5EF4-FFF2-40B4-BE49-F238E27FC236}">
-                <a16:creationId xmlns:a16="http://schemas.microsoft.com/office/drawing/2014/main" id="{68A1AEFE-C8D3-8675-02A0-4AEC2C72B462}"/>
+                <a16:creationId xmlns:a16="http://schemas.microsoft.com/office/drawing/2014/main" xmlns="" id="{68A1AEFE-C8D3-8675-02A0-4AEC2C72B462}"/>
               </a:ext>
             </a:extLst>
           </p:cNvPr>
@@ -1539,7 +1539,7 @@
           <p:cNvPr id="3" name="텍스트 개체 틀 2">
             <a:extLst>
               <a:ext uri="{FF2B5EF4-FFF2-40B4-BE49-F238E27FC236}">
-                <a16:creationId xmlns:a16="http://schemas.microsoft.com/office/drawing/2014/main" id="{ABC662BA-D05F-EEEF-1C03-D295773006E0}"/>
+                <a16:creationId xmlns:a16="http://schemas.microsoft.com/office/drawing/2014/main" xmlns="" id="{ABC662BA-D05F-EEEF-1C03-D295773006E0}"/>
               </a:ext>
             </a:extLst>
           </p:cNvPr>
@@ -1664,7 +1664,7 @@
           <p:cNvPr id="4" name="날짜 개체 틀 3">
             <a:extLst>
               <a:ext uri="{FF2B5EF4-FFF2-40B4-BE49-F238E27FC236}">
-                <a16:creationId xmlns:a16="http://schemas.microsoft.com/office/drawing/2014/main" id="{49143EF1-C0B1-5C32-218C-21D37AE9EB9F}"/>
+                <a16:creationId xmlns:a16="http://schemas.microsoft.com/office/drawing/2014/main" xmlns="" id="{49143EF1-C0B1-5C32-218C-21D37AE9EB9F}"/>
               </a:ext>
             </a:extLst>
           </p:cNvPr>
@@ -1682,7 +1682,7 @@
           <a:p>
             <a:fld id="{E2A38277-ABB5-4E4F-80E1-8DBDF3CCD645}" type="datetimeFigureOut">
               <a:rPr lang="ko-KR" altLang="en-US" smtClean="0"/>
-              <a:t>2024-06-25</a:t>
+              <a:t>2024-06-30</a:t>
             </a:fld>
             <a:endParaRPr lang="ko-KR" altLang="en-US"/>
           </a:p>
@@ -1693,7 +1693,7 @@
           <p:cNvPr id="5" name="바닥글 개체 틀 4">
             <a:extLst>
               <a:ext uri="{FF2B5EF4-FFF2-40B4-BE49-F238E27FC236}">
-                <a16:creationId xmlns:a16="http://schemas.microsoft.com/office/drawing/2014/main" id="{35F5B33C-AEC5-29FA-F4DF-306EF449CCAE}"/>
+                <a16:creationId xmlns:a16="http://schemas.microsoft.com/office/drawing/2014/main" xmlns="" id="{35F5B33C-AEC5-29FA-F4DF-306EF449CCAE}"/>
               </a:ext>
             </a:extLst>
           </p:cNvPr>
@@ -1718,7 +1718,7 @@
           <p:cNvPr id="6" name="슬라이드 번호 개체 틀 5">
             <a:extLst>
               <a:ext uri="{FF2B5EF4-FFF2-40B4-BE49-F238E27FC236}">
-                <a16:creationId xmlns:a16="http://schemas.microsoft.com/office/drawing/2014/main" id="{7CA9D35F-B4AB-A78D-0ECA-92CAB78779D3}"/>
+                <a16:creationId xmlns:a16="http://schemas.microsoft.com/office/drawing/2014/main" xmlns="" id="{7CA9D35F-B4AB-A78D-0ECA-92CAB78779D3}"/>
               </a:ext>
             </a:extLst>
           </p:cNvPr>
@@ -1777,7 +1777,7 @@
           <p:cNvPr id="2" name="제목 1">
             <a:extLst>
               <a:ext uri="{FF2B5EF4-FFF2-40B4-BE49-F238E27FC236}">
-                <a16:creationId xmlns:a16="http://schemas.microsoft.com/office/drawing/2014/main" id="{9F466D2C-0978-3FAA-04D7-226E34196006}"/>
+                <a16:creationId xmlns:a16="http://schemas.microsoft.com/office/drawing/2014/main" xmlns="" id="{9F466D2C-0978-3FAA-04D7-226E34196006}"/>
               </a:ext>
             </a:extLst>
           </p:cNvPr>
@@ -1805,7 +1805,7 @@
           <p:cNvPr id="3" name="내용 개체 틀 2">
             <a:extLst>
               <a:ext uri="{FF2B5EF4-FFF2-40B4-BE49-F238E27FC236}">
-                <a16:creationId xmlns:a16="http://schemas.microsoft.com/office/drawing/2014/main" id="{3792498E-BB3F-B7C7-F881-99547DB315DE}"/>
+                <a16:creationId xmlns:a16="http://schemas.microsoft.com/office/drawing/2014/main" xmlns="" id="{3792498E-BB3F-B7C7-F881-99547DB315DE}"/>
               </a:ext>
             </a:extLst>
           </p:cNvPr>
@@ -1867,7 +1867,7 @@
           <p:cNvPr id="4" name="내용 개체 틀 3">
             <a:extLst>
               <a:ext uri="{FF2B5EF4-FFF2-40B4-BE49-F238E27FC236}">
-                <a16:creationId xmlns:a16="http://schemas.microsoft.com/office/drawing/2014/main" id="{B093F6CD-554E-2489-1050-BF4079599605}"/>
+                <a16:creationId xmlns:a16="http://schemas.microsoft.com/office/drawing/2014/main" xmlns="" id="{B093F6CD-554E-2489-1050-BF4079599605}"/>
               </a:ext>
             </a:extLst>
           </p:cNvPr>
@@ -1929,7 +1929,7 @@
           <p:cNvPr id="5" name="날짜 개체 틀 4">
             <a:extLst>
               <a:ext uri="{FF2B5EF4-FFF2-40B4-BE49-F238E27FC236}">
-                <a16:creationId xmlns:a16="http://schemas.microsoft.com/office/drawing/2014/main" id="{7292FFB1-DECD-FEE0-EDC2-77ED54072F5E}"/>
+                <a16:creationId xmlns:a16="http://schemas.microsoft.com/office/drawing/2014/main" xmlns="" id="{7292FFB1-DECD-FEE0-EDC2-77ED54072F5E}"/>
               </a:ext>
             </a:extLst>
           </p:cNvPr>
@@ -1947,7 +1947,7 @@
           <a:p>
             <a:fld id="{E2A38277-ABB5-4E4F-80E1-8DBDF3CCD645}" type="datetimeFigureOut">
               <a:rPr lang="ko-KR" altLang="en-US" smtClean="0"/>
-              <a:t>2024-06-25</a:t>
+              <a:t>2024-06-30</a:t>
             </a:fld>
             <a:endParaRPr lang="ko-KR" altLang="en-US"/>
           </a:p>
@@ -1958,7 +1958,7 @@
           <p:cNvPr id="6" name="바닥글 개체 틀 5">
             <a:extLst>
               <a:ext uri="{FF2B5EF4-FFF2-40B4-BE49-F238E27FC236}">
-                <a16:creationId xmlns:a16="http://schemas.microsoft.com/office/drawing/2014/main" id="{8D0E1FE3-2B48-BCE5-ECD3-340D9E6B163E}"/>
+                <a16:creationId xmlns:a16="http://schemas.microsoft.com/office/drawing/2014/main" xmlns="" id="{8D0E1FE3-2B48-BCE5-ECD3-340D9E6B163E}"/>
               </a:ext>
             </a:extLst>
           </p:cNvPr>
@@ -1983,7 +1983,7 @@
           <p:cNvPr id="7" name="슬라이드 번호 개체 틀 6">
             <a:extLst>
               <a:ext uri="{FF2B5EF4-FFF2-40B4-BE49-F238E27FC236}">
-                <a16:creationId xmlns:a16="http://schemas.microsoft.com/office/drawing/2014/main" id="{D2BDCF8E-28C7-A44B-2F7B-D46713F5E0D3}"/>
+                <a16:creationId xmlns:a16="http://schemas.microsoft.com/office/drawing/2014/main" xmlns="" id="{D2BDCF8E-28C7-A44B-2F7B-D46713F5E0D3}"/>
               </a:ext>
             </a:extLst>
           </p:cNvPr>
@@ -2042,7 +2042,7 @@
           <p:cNvPr id="2" name="제목 1">
             <a:extLst>
               <a:ext uri="{FF2B5EF4-FFF2-40B4-BE49-F238E27FC236}">
-                <a16:creationId xmlns:a16="http://schemas.microsoft.com/office/drawing/2014/main" id="{458E8613-9241-1743-9135-EBF2D06051DE}"/>
+                <a16:creationId xmlns:a16="http://schemas.microsoft.com/office/drawing/2014/main" xmlns="" id="{458E8613-9241-1743-9135-EBF2D06051DE}"/>
               </a:ext>
             </a:extLst>
           </p:cNvPr>
@@ -2075,7 +2075,7 @@
           <p:cNvPr id="3" name="텍스트 개체 틀 2">
             <a:extLst>
               <a:ext uri="{FF2B5EF4-FFF2-40B4-BE49-F238E27FC236}">
-                <a16:creationId xmlns:a16="http://schemas.microsoft.com/office/drawing/2014/main" id="{FDB0BA7B-2C8F-7C67-E7CF-3D6A33B637B8}"/>
+                <a16:creationId xmlns:a16="http://schemas.microsoft.com/office/drawing/2014/main" xmlns="" id="{FDB0BA7B-2C8F-7C67-E7CF-3D6A33B637B8}"/>
               </a:ext>
             </a:extLst>
           </p:cNvPr>
@@ -2146,7 +2146,7 @@
           <p:cNvPr id="4" name="내용 개체 틀 3">
             <a:extLst>
               <a:ext uri="{FF2B5EF4-FFF2-40B4-BE49-F238E27FC236}">
-                <a16:creationId xmlns:a16="http://schemas.microsoft.com/office/drawing/2014/main" id="{6AB16722-A4BF-5849-0E47-5640FC6B37E8}"/>
+                <a16:creationId xmlns:a16="http://schemas.microsoft.com/office/drawing/2014/main" xmlns="" id="{6AB16722-A4BF-5849-0E47-5640FC6B37E8}"/>
               </a:ext>
             </a:extLst>
           </p:cNvPr>
@@ -2208,7 +2208,7 @@
           <p:cNvPr id="5" name="텍스트 개체 틀 4">
             <a:extLst>
               <a:ext uri="{FF2B5EF4-FFF2-40B4-BE49-F238E27FC236}">
-                <a16:creationId xmlns:a16="http://schemas.microsoft.com/office/drawing/2014/main" id="{0B36D3AB-8ACF-1FCD-B32F-F89EF792A109}"/>
+                <a16:creationId xmlns:a16="http://schemas.microsoft.com/office/drawing/2014/main" xmlns="" id="{0B36D3AB-8ACF-1FCD-B32F-F89EF792A109}"/>
               </a:ext>
             </a:extLst>
           </p:cNvPr>
@@ -2279,7 +2279,7 @@
           <p:cNvPr id="6" name="내용 개체 틀 5">
             <a:extLst>
               <a:ext uri="{FF2B5EF4-FFF2-40B4-BE49-F238E27FC236}">
-                <a16:creationId xmlns:a16="http://schemas.microsoft.com/office/drawing/2014/main" id="{8EA169C6-9076-1F05-F0CA-C1BC28C0437D}"/>
+                <a16:creationId xmlns:a16="http://schemas.microsoft.com/office/drawing/2014/main" xmlns="" id="{8EA169C6-9076-1F05-F0CA-C1BC28C0437D}"/>
               </a:ext>
             </a:extLst>
           </p:cNvPr>
@@ -2341,7 +2341,7 @@
           <p:cNvPr id="7" name="날짜 개체 틀 6">
             <a:extLst>
               <a:ext uri="{FF2B5EF4-FFF2-40B4-BE49-F238E27FC236}">
-                <a16:creationId xmlns:a16="http://schemas.microsoft.com/office/drawing/2014/main" id="{97DFEA32-9250-87B3-225E-4FAE425658A5}"/>
+                <a16:creationId xmlns:a16="http://schemas.microsoft.com/office/drawing/2014/main" xmlns="" id="{97DFEA32-9250-87B3-225E-4FAE425658A5}"/>
               </a:ext>
             </a:extLst>
           </p:cNvPr>
@@ -2359,7 +2359,7 @@
           <a:p>
             <a:fld id="{E2A38277-ABB5-4E4F-80E1-8DBDF3CCD645}" type="datetimeFigureOut">
               <a:rPr lang="ko-KR" altLang="en-US" smtClean="0"/>
-              <a:t>2024-06-25</a:t>
+              <a:t>2024-06-30</a:t>
             </a:fld>
             <a:endParaRPr lang="ko-KR" altLang="en-US"/>
           </a:p>
@@ -2370,7 +2370,7 @@
           <p:cNvPr id="8" name="바닥글 개체 틀 7">
             <a:extLst>
               <a:ext uri="{FF2B5EF4-FFF2-40B4-BE49-F238E27FC236}">
-                <a16:creationId xmlns:a16="http://schemas.microsoft.com/office/drawing/2014/main" id="{DDB58DFE-2652-9B52-3359-C2A7F3E6B2A6}"/>
+                <a16:creationId xmlns:a16="http://schemas.microsoft.com/office/drawing/2014/main" xmlns="" id="{DDB58DFE-2652-9B52-3359-C2A7F3E6B2A6}"/>
               </a:ext>
             </a:extLst>
           </p:cNvPr>
@@ -2395,7 +2395,7 @@
           <p:cNvPr id="9" name="슬라이드 번호 개체 틀 8">
             <a:extLst>
               <a:ext uri="{FF2B5EF4-FFF2-40B4-BE49-F238E27FC236}">
-                <a16:creationId xmlns:a16="http://schemas.microsoft.com/office/drawing/2014/main" id="{0B56D2B3-FD26-3175-E3B1-FBC099AD77AB}"/>
+                <a16:creationId xmlns:a16="http://schemas.microsoft.com/office/drawing/2014/main" xmlns="" id="{0B56D2B3-FD26-3175-E3B1-FBC099AD77AB}"/>
               </a:ext>
             </a:extLst>
           </p:cNvPr>
@@ -2454,7 +2454,7 @@
           <p:cNvPr id="2" name="제목 1">
             <a:extLst>
               <a:ext uri="{FF2B5EF4-FFF2-40B4-BE49-F238E27FC236}">
-                <a16:creationId xmlns:a16="http://schemas.microsoft.com/office/drawing/2014/main" id="{22CDD4F3-B385-EFAA-23B9-A833D63F966F}"/>
+                <a16:creationId xmlns:a16="http://schemas.microsoft.com/office/drawing/2014/main" xmlns="" id="{22CDD4F3-B385-EFAA-23B9-A833D63F966F}"/>
               </a:ext>
             </a:extLst>
           </p:cNvPr>
@@ -2482,7 +2482,7 @@
           <p:cNvPr id="3" name="날짜 개체 틀 2">
             <a:extLst>
               <a:ext uri="{FF2B5EF4-FFF2-40B4-BE49-F238E27FC236}">
-                <a16:creationId xmlns:a16="http://schemas.microsoft.com/office/drawing/2014/main" id="{F4531132-7334-9D73-CF5C-CBA880A9749F}"/>
+                <a16:creationId xmlns:a16="http://schemas.microsoft.com/office/drawing/2014/main" xmlns="" id="{F4531132-7334-9D73-CF5C-CBA880A9749F}"/>
               </a:ext>
             </a:extLst>
           </p:cNvPr>
@@ -2500,7 +2500,7 @@
           <a:p>
             <a:fld id="{E2A38277-ABB5-4E4F-80E1-8DBDF3CCD645}" type="datetimeFigureOut">
               <a:rPr lang="ko-KR" altLang="en-US" smtClean="0"/>
-              <a:t>2024-06-25</a:t>
+              <a:t>2024-06-30</a:t>
             </a:fld>
             <a:endParaRPr lang="ko-KR" altLang="en-US"/>
           </a:p>
@@ -2511,7 +2511,7 @@
           <p:cNvPr id="4" name="바닥글 개체 틀 3">
             <a:extLst>
               <a:ext uri="{FF2B5EF4-FFF2-40B4-BE49-F238E27FC236}">
-                <a16:creationId xmlns:a16="http://schemas.microsoft.com/office/drawing/2014/main" id="{B5268B68-7FBC-CF13-4D31-4A6F80BA89E5}"/>
+                <a16:creationId xmlns:a16="http://schemas.microsoft.com/office/drawing/2014/main" xmlns="" id="{B5268B68-7FBC-CF13-4D31-4A6F80BA89E5}"/>
               </a:ext>
             </a:extLst>
           </p:cNvPr>
@@ -2536,7 +2536,7 @@
           <p:cNvPr id="5" name="슬라이드 번호 개체 틀 4">
             <a:extLst>
               <a:ext uri="{FF2B5EF4-FFF2-40B4-BE49-F238E27FC236}">
-                <a16:creationId xmlns:a16="http://schemas.microsoft.com/office/drawing/2014/main" id="{DCE1704C-4951-0332-30FA-1B7CAFD92EDE}"/>
+                <a16:creationId xmlns:a16="http://schemas.microsoft.com/office/drawing/2014/main" xmlns="" id="{DCE1704C-4951-0332-30FA-1B7CAFD92EDE}"/>
               </a:ext>
             </a:extLst>
           </p:cNvPr>
@@ -2595,7 +2595,7 @@
           <p:cNvPr id="2" name="날짜 개체 틀 1">
             <a:extLst>
               <a:ext uri="{FF2B5EF4-FFF2-40B4-BE49-F238E27FC236}">
-                <a16:creationId xmlns:a16="http://schemas.microsoft.com/office/drawing/2014/main" id="{D73A4A8A-376D-131E-5779-BCC7E55D69F4}"/>
+                <a16:creationId xmlns:a16="http://schemas.microsoft.com/office/drawing/2014/main" xmlns="" id="{D73A4A8A-376D-131E-5779-BCC7E55D69F4}"/>
               </a:ext>
             </a:extLst>
           </p:cNvPr>
@@ -2613,7 +2613,7 @@
           <a:p>
             <a:fld id="{E2A38277-ABB5-4E4F-80E1-8DBDF3CCD645}" type="datetimeFigureOut">
               <a:rPr lang="ko-KR" altLang="en-US" smtClean="0"/>
-              <a:t>2024-06-25</a:t>
+              <a:t>2024-06-30</a:t>
             </a:fld>
             <a:endParaRPr lang="ko-KR" altLang="en-US"/>
           </a:p>
@@ -2624,7 +2624,7 @@
           <p:cNvPr id="3" name="바닥글 개체 틀 2">
             <a:extLst>
               <a:ext uri="{FF2B5EF4-FFF2-40B4-BE49-F238E27FC236}">
-                <a16:creationId xmlns:a16="http://schemas.microsoft.com/office/drawing/2014/main" id="{430DBA16-2162-3EC9-9BB3-1647B6A2E72A}"/>
+                <a16:creationId xmlns:a16="http://schemas.microsoft.com/office/drawing/2014/main" xmlns="" id="{430DBA16-2162-3EC9-9BB3-1647B6A2E72A}"/>
               </a:ext>
             </a:extLst>
           </p:cNvPr>
@@ -2649,7 +2649,7 @@
           <p:cNvPr id="4" name="슬라이드 번호 개체 틀 3">
             <a:extLst>
               <a:ext uri="{FF2B5EF4-FFF2-40B4-BE49-F238E27FC236}">
-                <a16:creationId xmlns:a16="http://schemas.microsoft.com/office/drawing/2014/main" id="{ED28A215-7B14-8FA2-AE88-9090D049F984}"/>
+                <a16:creationId xmlns:a16="http://schemas.microsoft.com/office/drawing/2014/main" xmlns="" id="{ED28A215-7B14-8FA2-AE88-9090D049F984}"/>
               </a:ext>
             </a:extLst>
           </p:cNvPr>
@@ -2708,7 +2708,7 @@
           <p:cNvPr id="2" name="제목 1">
             <a:extLst>
               <a:ext uri="{FF2B5EF4-FFF2-40B4-BE49-F238E27FC236}">
-                <a16:creationId xmlns:a16="http://schemas.microsoft.com/office/drawing/2014/main" id="{EF4E18FB-51B4-21A0-5EDE-5A7338602CC9}"/>
+                <a16:creationId xmlns:a16="http://schemas.microsoft.com/office/drawing/2014/main" xmlns="" id="{EF4E18FB-51B4-21A0-5EDE-5A7338602CC9}"/>
               </a:ext>
             </a:extLst>
           </p:cNvPr>
@@ -2745,7 +2745,7 @@
           <p:cNvPr id="3" name="내용 개체 틀 2">
             <a:extLst>
               <a:ext uri="{FF2B5EF4-FFF2-40B4-BE49-F238E27FC236}">
-                <a16:creationId xmlns:a16="http://schemas.microsoft.com/office/drawing/2014/main" id="{4A3AF8FB-8D0B-BCC6-5D45-38CA10F3F599}"/>
+                <a16:creationId xmlns:a16="http://schemas.microsoft.com/office/drawing/2014/main" xmlns="" id="{4A3AF8FB-8D0B-BCC6-5D45-38CA10F3F599}"/>
               </a:ext>
             </a:extLst>
           </p:cNvPr>
@@ -2835,7 +2835,7 @@
           <p:cNvPr id="4" name="텍스트 개체 틀 3">
             <a:extLst>
               <a:ext uri="{FF2B5EF4-FFF2-40B4-BE49-F238E27FC236}">
-                <a16:creationId xmlns:a16="http://schemas.microsoft.com/office/drawing/2014/main" id="{6D62086C-BCD9-0B99-DEF8-B26DC1229A46}"/>
+                <a16:creationId xmlns:a16="http://schemas.microsoft.com/office/drawing/2014/main" xmlns="" id="{6D62086C-BCD9-0B99-DEF8-B26DC1229A46}"/>
               </a:ext>
             </a:extLst>
           </p:cNvPr>
@@ -2906,7 +2906,7 @@
           <p:cNvPr id="5" name="날짜 개체 틀 4">
             <a:extLst>
               <a:ext uri="{FF2B5EF4-FFF2-40B4-BE49-F238E27FC236}">
-                <a16:creationId xmlns:a16="http://schemas.microsoft.com/office/drawing/2014/main" id="{9963E116-6949-F1AC-D348-BC1DDA431743}"/>
+                <a16:creationId xmlns:a16="http://schemas.microsoft.com/office/drawing/2014/main" xmlns="" id="{9963E116-6949-F1AC-D348-BC1DDA431743}"/>
               </a:ext>
             </a:extLst>
           </p:cNvPr>
@@ -2924,7 +2924,7 @@
           <a:p>
             <a:fld id="{E2A38277-ABB5-4E4F-80E1-8DBDF3CCD645}" type="datetimeFigureOut">
               <a:rPr lang="ko-KR" altLang="en-US" smtClean="0"/>
-              <a:t>2024-06-25</a:t>
+              <a:t>2024-06-30</a:t>
             </a:fld>
             <a:endParaRPr lang="ko-KR" altLang="en-US"/>
           </a:p>
@@ -2935,7 +2935,7 @@
           <p:cNvPr id="6" name="바닥글 개체 틀 5">
             <a:extLst>
               <a:ext uri="{FF2B5EF4-FFF2-40B4-BE49-F238E27FC236}">
-                <a16:creationId xmlns:a16="http://schemas.microsoft.com/office/drawing/2014/main" id="{F4A68F7B-86B1-4737-1A24-C0DAD2D18361}"/>
+                <a16:creationId xmlns:a16="http://schemas.microsoft.com/office/drawing/2014/main" xmlns="" id="{F4A68F7B-86B1-4737-1A24-C0DAD2D18361}"/>
               </a:ext>
             </a:extLst>
           </p:cNvPr>
@@ -2960,7 +2960,7 @@
           <p:cNvPr id="7" name="슬라이드 번호 개체 틀 6">
             <a:extLst>
               <a:ext uri="{FF2B5EF4-FFF2-40B4-BE49-F238E27FC236}">
-                <a16:creationId xmlns:a16="http://schemas.microsoft.com/office/drawing/2014/main" id="{2D4FE796-D27C-CB9F-33BA-41BA455B7F71}"/>
+                <a16:creationId xmlns:a16="http://schemas.microsoft.com/office/drawing/2014/main" xmlns="" id="{2D4FE796-D27C-CB9F-33BA-41BA455B7F71}"/>
               </a:ext>
             </a:extLst>
           </p:cNvPr>
@@ -3019,7 +3019,7 @@
           <p:cNvPr id="2" name="제목 1">
             <a:extLst>
               <a:ext uri="{FF2B5EF4-FFF2-40B4-BE49-F238E27FC236}">
-                <a16:creationId xmlns:a16="http://schemas.microsoft.com/office/drawing/2014/main" id="{DC275F19-C3E3-4B03-A7E0-3608E5865C0F}"/>
+                <a16:creationId xmlns:a16="http://schemas.microsoft.com/office/drawing/2014/main" xmlns="" id="{DC275F19-C3E3-4B03-A7E0-3608E5865C0F}"/>
               </a:ext>
             </a:extLst>
           </p:cNvPr>
@@ -3056,7 +3056,7 @@
           <p:cNvPr id="3" name="그림 개체 틀 2">
             <a:extLst>
               <a:ext uri="{FF2B5EF4-FFF2-40B4-BE49-F238E27FC236}">
-                <a16:creationId xmlns:a16="http://schemas.microsoft.com/office/drawing/2014/main" id="{4FD0F81E-5942-5A49-BC52-A536EB1E20ED}"/>
+                <a16:creationId xmlns:a16="http://schemas.microsoft.com/office/drawing/2014/main" xmlns="" id="{4FD0F81E-5942-5A49-BC52-A536EB1E20ED}"/>
               </a:ext>
             </a:extLst>
           </p:cNvPr>
@@ -3123,7 +3123,7 @@
           <p:cNvPr id="4" name="텍스트 개체 틀 3">
             <a:extLst>
               <a:ext uri="{FF2B5EF4-FFF2-40B4-BE49-F238E27FC236}">
-                <a16:creationId xmlns:a16="http://schemas.microsoft.com/office/drawing/2014/main" id="{5EC2BFE0-EC71-A311-5E72-B5300F5B0535}"/>
+                <a16:creationId xmlns:a16="http://schemas.microsoft.com/office/drawing/2014/main" xmlns="" id="{5EC2BFE0-EC71-A311-5E72-B5300F5B0535}"/>
               </a:ext>
             </a:extLst>
           </p:cNvPr>
@@ -3194,7 +3194,7 @@
           <p:cNvPr id="5" name="날짜 개체 틀 4">
             <a:extLst>
               <a:ext uri="{FF2B5EF4-FFF2-40B4-BE49-F238E27FC236}">
-                <a16:creationId xmlns:a16="http://schemas.microsoft.com/office/drawing/2014/main" id="{750FC34B-AA40-6BDE-33DC-8A76DDC57AF7}"/>
+                <a16:creationId xmlns:a16="http://schemas.microsoft.com/office/drawing/2014/main" xmlns="" id="{750FC34B-AA40-6BDE-33DC-8A76DDC57AF7}"/>
               </a:ext>
             </a:extLst>
           </p:cNvPr>
@@ -3212,7 +3212,7 @@
           <a:p>
             <a:fld id="{E2A38277-ABB5-4E4F-80E1-8DBDF3CCD645}" type="datetimeFigureOut">
               <a:rPr lang="ko-KR" altLang="en-US" smtClean="0"/>
-              <a:t>2024-06-25</a:t>
+              <a:t>2024-06-30</a:t>
             </a:fld>
             <a:endParaRPr lang="ko-KR" altLang="en-US"/>
           </a:p>
@@ -3223,7 +3223,7 @@
           <p:cNvPr id="6" name="바닥글 개체 틀 5">
             <a:extLst>
               <a:ext uri="{FF2B5EF4-FFF2-40B4-BE49-F238E27FC236}">
-                <a16:creationId xmlns:a16="http://schemas.microsoft.com/office/drawing/2014/main" id="{B41E30B1-E655-8387-781F-22E7C4C81E99}"/>
+                <a16:creationId xmlns:a16="http://schemas.microsoft.com/office/drawing/2014/main" xmlns="" id="{B41E30B1-E655-8387-781F-22E7C4C81E99}"/>
               </a:ext>
             </a:extLst>
           </p:cNvPr>
@@ -3248,7 +3248,7 @@
           <p:cNvPr id="7" name="슬라이드 번호 개체 틀 6">
             <a:extLst>
               <a:ext uri="{FF2B5EF4-FFF2-40B4-BE49-F238E27FC236}">
-                <a16:creationId xmlns:a16="http://schemas.microsoft.com/office/drawing/2014/main" id="{9BCB7C17-36C6-C7F1-FEE4-BAF3D28698C9}"/>
+                <a16:creationId xmlns:a16="http://schemas.microsoft.com/office/drawing/2014/main" xmlns="" id="{9BCB7C17-36C6-C7F1-FEE4-BAF3D28698C9}"/>
               </a:ext>
             </a:extLst>
           </p:cNvPr>
@@ -3312,7 +3312,7 @@
           <p:cNvPr id="2" name="제목 개체 틀 1">
             <a:extLst>
               <a:ext uri="{FF2B5EF4-FFF2-40B4-BE49-F238E27FC236}">
-                <a16:creationId xmlns:a16="http://schemas.microsoft.com/office/drawing/2014/main" id="{74068866-4A94-939C-E5D7-F0E81F87BFAE}"/>
+                <a16:creationId xmlns:a16="http://schemas.microsoft.com/office/drawing/2014/main" xmlns="" id="{74068866-4A94-939C-E5D7-F0E81F87BFAE}"/>
               </a:ext>
             </a:extLst>
           </p:cNvPr>
@@ -3350,7 +3350,7 @@
           <p:cNvPr id="3" name="텍스트 개체 틀 2">
             <a:extLst>
               <a:ext uri="{FF2B5EF4-FFF2-40B4-BE49-F238E27FC236}">
-                <a16:creationId xmlns:a16="http://schemas.microsoft.com/office/drawing/2014/main" id="{D68E18BC-E22B-51D1-6233-478D64CF0078}"/>
+                <a16:creationId xmlns:a16="http://schemas.microsoft.com/office/drawing/2014/main" xmlns="" id="{D68E18BC-E22B-51D1-6233-478D64CF0078}"/>
               </a:ext>
             </a:extLst>
           </p:cNvPr>
@@ -3417,7 +3417,7 @@
           <p:cNvPr id="4" name="날짜 개체 틀 3">
             <a:extLst>
               <a:ext uri="{FF2B5EF4-FFF2-40B4-BE49-F238E27FC236}">
-                <a16:creationId xmlns:a16="http://schemas.microsoft.com/office/drawing/2014/main" id="{E783EFEB-79D1-75F2-16A4-62968BDD82E8}"/>
+                <a16:creationId xmlns:a16="http://schemas.microsoft.com/office/drawing/2014/main" xmlns="" id="{E783EFEB-79D1-75F2-16A4-62968BDD82E8}"/>
               </a:ext>
             </a:extLst>
           </p:cNvPr>
@@ -3453,7 +3453,7 @@
           <a:p>
             <a:fld id="{E2A38277-ABB5-4E4F-80E1-8DBDF3CCD645}" type="datetimeFigureOut">
               <a:rPr lang="ko-KR" altLang="en-US" smtClean="0"/>
-              <a:t>2024-06-25</a:t>
+              <a:t>2024-06-30</a:t>
             </a:fld>
             <a:endParaRPr lang="ko-KR" altLang="en-US"/>
           </a:p>
@@ -3464,7 +3464,7 @@
           <p:cNvPr id="5" name="바닥글 개체 틀 4">
             <a:extLst>
               <a:ext uri="{FF2B5EF4-FFF2-40B4-BE49-F238E27FC236}">
-                <a16:creationId xmlns:a16="http://schemas.microsoft.com/office/drawing/2014/main" id="{B149114E-C0DA-00D3-44A2-52B6671E7330}"/>
+                <a16:creationId xmlns:a16="http://schemas.microsoft.com/office/drawing/2014/main" xmlns="" id="{B149114E-C0DA-00D3-44A2-52B6671E7330}"/>
               </a:ext>
             </a:extLst>
           </p:cNvPr>
@@ -3507,7 +3507,7 @@
           <p:cNvPr id="6" name="슬라이드 번호 개체 틀 5">
             <a:extLst>
               <a:ext uri="{FF2B5EF4-FFF2-40B4-BE49-F238E27FC236}">
-                <a16:creationId xmlns:a16="http://schemas.microsoft.com/office/drawing/2014/main" id="{9EDA3855-9C32-9C37-6A42-30F432C45AE2}"/>
+                <a16:creationId xmlns:a16="http://schemas.microsoft.com/office/drawing/2014/main" xmlns="" id="{9EDA3855-9C32-9C37-6A42-30F432C45AE2}"/>
               </a:ext>
             </a:extLst>
           </p:cNvPr>
@@ -3875,7 +3875,7 @@
           <p:cNvPr id="5" name="TextBox 4">
             <a:extLst>
               <a:ext uri="{FF2B5EF4-FFF2-40B4-BE49-F238E27FC236}">
-                <a16:creationId xmlns:a16="http://schemas.microsoft.com/office/drawing/2014/main" id="{89C2E923-53C3-29F4-3A2A-6B84631FF275}"/>
+                <a16:creationId xmlns:a16="http://schemas.microsoft.com/office/drawing/2014/main" xmlns="" id="{89C2E923-53C3-29F4-3A2A-6B84631FF275}"/>
               </a:ext>
             </a:extLst>
           </p:cNvPr>
@@ -3988,7 +3988,7 @@
           <p:cNvPr id="5" name="그림 4">
             <a:extLst>
               <a:ext uri="{FF2B5EF4-FFF2-40B4-BE49-F238E27FC236}">
-                <a16:creationId xmlns:a16="http://schemas.microsoft.com/office/drawing/2014/main" id="{B435C393-F58D-6FEC-9D09-4ABB8DDCC0A6}"/>
+                <a16:creationId xmlns:a16="http://schemas.microsoft.com/office/drawing/2014/main" xmlns="" id="{B435C393-F58D-6FEC-9D09-4ABB8DDCC0A6}"/>
               </a:ext>
             </a:extLst>
           </p:cNvPr>
@@ -4018,7 +4018,7 @@
           <p:cNvPr id="12" name="직선 화살표 연결선 11">
             <a:extLst>
               <a:ext uri="{FF2B5EF4-FFF2-40B4-BE49-F238E27FC236}">
-                <a16:creationId xmlns:a16="http://schemas.microsoft.com/office/drawing/2014/main" id="{BA403B85-B8BE-CD30-2192-B37D21154562}"/>
+                <a16:creationId xmlns:a16="http://schemas.microsoft.com/office/drawing/2014/main" xmlns="" id="{BA403B85-B8BE-CD30-2192-B37D21154562}"/>
               </a:ext>
             </a:extLst>
           </p:cNvPr>
@@ -4064,7 +4064,7 @@
           <p:cNvPr id="3" name="직사각형 2">
             <a:extLst>
               <a:ext uri="{FF2B5EF4-FFF2-40B4-BE49-F238E27FC236}">
-                <a16:creationId xmlns:a16="http://schemas.microsoft.com/office/drawing/2014/main" id="{3DF280BD-43D1-74D8-6D9C-72439FB22075}"/>
+                <a16:creationId xmlns:a16="http://schemas.microsoft.com/office/drawing/2014/main" xmlns="" id="{3DF280BD-43D1-74D8-6D9C-72439FB22075}"/>
               </a:ext>
             </a:extLst>
           </p:cNvPr>
@@ -4116,7 +4116,7 @@
           <p:cNvPr id="4" name="Rectangle 1">
             <a:extLst>
               <a:ext uri="{FF2B5EF4-FFF2-40B4-BE49-F238E27FC236}">
-                <a16:creationId xmlns:a16="http://schemas.microsoft.com/office/drawing/2014/main" id="{DAC6AB3E-1B6D-3859-9140-65F690EE4734}"/>
+                <a16:creationId xmlns:a16="http://schemas.microsoft.com/office/drawing/2014/main" xmlns="" id="{DAC6AB3E-1B6D-3859-9140-65F690EE4734}"/>
               </a:ext>
             </a:extLst>
           </p:cNvPr>
@@ -4285,6 +4285,20 @@
               </a:rPr>
               <a:t>metrics</a:t>
             </a:r>
+            <a:r>
+              <a:rPr kumimoji="0" lang="ko-KR" altLang="ko-KR" sz="800" b="0" i="0" u="none" strike="noStrike" cap="none" normalizeH="0" baseline="0" dirty="0">
+                <a:ln>
+                  <a:noFill/>
+                </a:ln>
+                <a:solidFill>
+                  <a:srgbClr val="BCBEC4"/>
+                </a:solidFill>
+                <a:effectLst/>
+                <a:latin typeface="Arial Unicode MS"/>
+                <a:ea typeface="JetBrains Mono"/>
+              </a:rPr>
+              <a:t/>
+            </a:r>
             <a:br>
               <a:rPr kumimoji="0" lang="ko-KR" altLang="ko-KR" sz="800" b="0" i="0" u="none" strike="noStrike" cap="none" normalizeH="0" baseline="0" dirty="0">
                 <a:ln>
@@ -4423,6 +4437,20 @@
                 <a:ea typeface="JetBrains Mono"/>
               </a:rPr>
             </a:br>
+            <a:r>
+              <a:rPr kumimoji="0" lang="ko-KR" altLang="ko-KR" sz="800" b="0" i="0" u="none" strike="noStrike" cap="none" normalizeH="0" baseline="0" dirty="0">
+                <a:ln>
+                  <a:noFill/>
+                </a:ln>
+                <a:solidFill>
+                  <a:srgbClr val="BCBEC4"/>
+                </a:solidFill>
+                <a:effectLst/>
+                <a:latin typeface="Arial Unicode MS"/>
+                <a:ea typeface="JetBrains Mono"/>
+              </a:rPr>
+              <a:t/>
+            </a:r>
             <a:br>
               <a:rPr kumimoji="0" lang="ko-KR" altLang="ko-KR" sz="800" b="0" i="0" u="none" strike="noStrike" cap="none" normalizeH="0" baseline="0" dirty="0">
                 <a:ln>
@@ -4505,6 +4533,20 @@
                 <a:ea typeface="JetBrains Mono"/>
               </a:rPr>
             </a:br>
+            <a:r>
+              <a:rPr kumimoji="0" lang="ko-KR" altLang="ko-KR" sz="800" b="0" i="0" u="none" strike="noStrike" cap="none" normalizeH="0" baseline="0" dirty="0">
+                <a:ln>
+                  <a:noFill/>
+                </a:ln>
+                <a:solidFill>
+                  <a:srgbClr val="BCBEC4"/>
+                </a:solidFill>
+                <a:effectLst/>
+                <a:latin typeface="Arial Unicode MS"/>
+                <a:ea typeface="JetBrains Mono"/>
+              </a:rPr>
+              <a:t/>
+            </a:r>
             <a:br>
               <a:rPr kumimoji="0" lang="ko-KR" altLang="ko-KR" sz="800" b="0" i="0" u="none" strike="noStrike" cap="none" normalizeH="0" baseline="0" dirty="0">
                 <a:ln>
@@ -5254,6 +5296,20 @@
                 <a:ea typeface="JetBrains Mono"/>
               </a:rPr>
             </a:br>
+            <a:r>
+              <a:rPr kumimoji="0" lang="ko-KR" altLang="ko-KR" sz="800" b="0" i="0" u="none" strike="noStrike" cap="none" normalizeH="0" baseline="0" dirty="0">
+                <a:ln>
+                  <a:noFill/>
+                </a:ln>
+                <a:solidFill>
+                  <a:srgbClr val="BCBEC4"/>
+                </a:solidFill>
+                <a:effectLst/>
+                <a:latin typeface="Arial Unicode MS"/>
+                <a:ea typeface="JetBrains Mono"/>
+              </a:rPr>
+              <a:t/>
+            </a:r>
             <a:br>
               <a:rPr kumimoji="0" lang="ko-KR" altLang="ko-KR" sz="800" b="0" i="0" u="none" strike="noStrike" cap="none" normalizeH="0" baseline="0" dirty="0">
                 <a:ln>
@@ -5683,6 +5739,20 @@
                 <a:ea typeface="JetBrains Mono"/>
               </a:rPr>
             </a:br>
+            <a:r>
+              <a:rPr kumimoji="0" lang="ko-KR" altLang="ko-KR" sz="800" b="0" i="0" u="none" strike="noStrike" cap="none" normalizeH="0" baseline="0" dirty="0">
+                <a:ln>
+                  <a:noFill/>
+                </a:ln>
+                <a:solidFill>
+                  <a:srgbClr val="BCBEC4"/>
+                </a:solidFill>
+                <a:effectLst/>
+                <a:latin typeface="Arial Unicode MS"/>
+                <a:ea typeface="JetBrains Mono"/>
+              </a:rPr>
+              <a:t/>
+            </a:r>
             <a:br>
               <a:rPr kumimoji="0" lang="ko-KR" altLang="ko-KR" sz="800" b="0" i="0" u="none" strike="noStrike" cap="none" normalizeH="0" baseline="0" dirty="0">
                 <a:ln>
@@ -6030,6 +6100,20 @@
                 <a:ea typeface="맑은 고딕" panose="020B0503020000020004" pitchFamily="50" charset="-127"/>
               </a:rPr>
             </a:br>
+            <a:r>
+              <a:rPr kumimoji="0" lang="ko-KR" altLang="ko-KR" sz="800" b="0" i="0" u="none" strike="noStrike" cap="none" normalizeH="0" baseline="0" dirty="0">
+                <a:ln>
+                  <a:noFill/>
+                </a:ln>
+                <a:solidFill>
+                  <a:srgbClr val="7A7E85"/>
+                </a:solidFill>
+                <a:effectLst/>
+                <a:latin typeface="맑은 고딕" panose="020B0503020000020004" pitchFamily="50" charset="-127"/>
+                <a:ea typeface="맑은 고딕" panose="020B0503020000020004" pitchFamily="50" charset="-127"/>
+              </a:rPr>
+              <a:t/>
+            </a:r>
             <a:br>
               <a:rPr kumimoji="0" lang="ko-KR" altLang="ko-KR" sz="800" b="0" i="0" u="none" strike="noStrike" cap="none" normalizeH="0" baseline="0" dirty="0">
                 <a:ln>
@@ -6321,6 +6405,20 @@
                 <a:ea typeface="JetBrains Mono"/>
               </a:rPr>
             </a:br>
+            <a:r>
+              <a:rPr kumimoji="0" lang="ko-KR" altLang="ko-KR" sz="800" b="0" i="0" u="none" strike="noStrike" cap="none" normalizeH="0" baseline="0" dirty="0">
+                <a:ln>
+                  <a:noFill/>
+                </a:ln>
+                <a:solidFill>
+                  <a:srgbClr val="BCBEC4"/>
+                </a:solidFill>
+                <a:effectLst/>
+                <a:latin typeface="Arial Unicode MS"/>
+                <a:ea typeface="JetBrains Mono"/>
+              </a:rPr>
+              <a:t/>
+            </a:r>
             <a:br>
               <a:rPr kumimoji="0" lang="ko-KR" altLang="ko-KR" sz="800" b="0" i="0" u="none" strike="noStrike" cap="none" normalizeH="0" baseline="0" dirty="0">
                 <a:ln>
@@ -6472,6 +6570,20 @@
                 <a:ea typeface="JetBrains Mono"/>
               </a:rPr>
             </a:br>
+            <a:r>
+              <a:rPr kumimoji="0" lang="ko-KR" altLang="ko-KR" sz="800" b="0" i="0" u="none" strike="noStrike" cap="none" normalizeH="0" baseline="0" dirty="0">
+                <a:ln>
+                  <a:noFill/>
+                </a:ln>
+                <a:solidFill>
+                  <a:srgbClr val="BCBEC4"/>
+                </a:solidFill>
+                <a:effectLst/>
+                <a:latin typeface="Arial Unicode MS"/>
+                <a:ea typeface="JetBrains Mono"/>
+              </a:rPr>
+              <a:t/>
+            </a:r>
             <a:br>
               <a:rPr kumimoji="0" lang="ko-KR" altLang="ko-KR" sz="800" b="0" i="0" u="none" strike="noStrike" cap="none" normalizeH="0" baseline="0" dirty="0">
                 <a:ln>
@@ -6748,6 +6860,20 @@
                 <a:ea typeface="JetBrains Mono"/>
               </a:rPr>
             </a:br>
+            <a:r>
+              <a:rPr kumimoji="0" lang="ko-KR" altLang="ko-KR" sz="800" b="0" i="0" u="none" strike="noStrike" cap="none" normalizeH="0" baseline="0" dirty="0">
+                <a:ln>
+                  <a:noFill/>
+                </a:ln>
+                <a:solidFill>
+                  <a:srgbClr val="BCBEC4"/>
+                </a:solidFill>
+                <a:effectLst/>
+                <a:latin typeface="Arial Unicode MS"/>
+                <a:ea typeface="JetBrains Mono"/>
+              </a:rPr>
+              <a:t/>
+            </a:r>
             <a:br>
               <a:rPr kumimoji="0" lang="ko-KR" altLang="ko-KR" sz="800" b="0" i="0" u="none" strike="noStrike" cap="none" normalizeH="0" baseline="0" dirty="0">
                 <a:ln>
@@ -8723,6 +8849,20 @@
                 <a:ea typeface="JetBrains Mono"/>
               </a:rPr>
             </a:br>
+            <a:r>
+              <a:rPr kumimoji="0" lang="ko-KR" altLang="ko-KR" sz="800" b="0" i="0" u="none" strike="noStrike" cap="none" normalizeH="0" baseline="0" dirty="0">
+                <a:ln>
+                  <a:noFill/>
+                </a:ln>
+                <a:solidFill>
+                  <a:srgbClr val="BCBEC4"/>
+                </a:solidFill>
+                <a:effectLst/>
+                <a:latin typeface="Arial Unicode MS"/>
+                <a:ea typeface="JetBrains Mono"/>
+              </a:rPr>
+              <a:t/>
+            </a:r>
             <a:br>
               <a:rPr kumimoji="0" lang="ko-KR" altLang="ko-KR" sz="800" b="0" i="0" u="none" strike="noStrike" cap="none" normalizeH="0" baseline="0" dirty="0">
                 <a:ln>
@@ -9278,6 +9418,20 @@
                 <a:ea typeface="JetBrains Mono"/>
               </a:rPr>
             </a:br>
+            <a:r>
+              <a:rPr kumimoji="0" lang="ko-KR" altLang="ko-KR" sz="800" b="0" i="0" u="none" strike="noStrike" cap="none" normalizeH="0" baseline="0" dirty="0">
+                <a:ln>
+                  <a:noFill/>
+                </a:ln>
+                <a:solidFill>
+                  <a:srgbClr val="BCBEC4"/>
+                </a:solidFill>
+                <a:effectLst/>
+                <a:latin typeface="Arial Unicode MS"/>
+                <a:ea typeface="JetBrains Mono"/>
+              </a:rPr>
+              <a:t/>
+            </a:r>
             <a:br>
               <a:rPr kumimoji="0" lang="ko-KR" altLang="ko-KR" sz="800" b="0" i="0" u="none" strike="noStrike" cap="none" normalizeH="0" baseline="0" dirty="0">
                 <a:ln>
@@ -9472,6 +9626,20 @@
                 <a:ea typeface="JetBrains Mono"/>
               </a:rPr>
             </a:br>
+            <a:r>
+              <a:rPr kumimoji="0" lang="ko-KR" altLang="ko-KR" sz="800" b="0" i="0" u="none" strike="noStrike" cap="none" normalizeH="0" baseline="0" dirty="0">
+                <a:ln>
+                  <a:noFill/>
+                </a:ln>
+                <a:solidFill>
+                  <a:srgbClr val="BCBEC4"/>
+                </a:solidFill>
+                <a:effectLst/>
+                <a:latin typeface="Arial Unicode MS"/>
+                <a:ea typeface="JetBrains Mono"/>
+              </a:rPr>
+              <a:t/>
+            </a:r>
             <a:br>
               <a:rPr kumimoji="0" lang="ko-KR" altLang="ko-KR" sz="800" b="0" i="0" u="none" strike="noStrike" cap="none" normalizeH="0" baseline="0" dirty="0">
                 <a:ln>
@@ -9742,7 +9910,7 @@
           <p:cNvPr id="10" name="그룹 9">
             <a:extLst>
               <a:ext uri="{FF2B5EF4-FFF2-40B4-BE49-F238E27FC236}">
-                <a16:creationId xmlns:a16="http://schemas.microsoft.com/office/drawing/2014/main" id="{719264B9-9AAE-9477-EFB9-DEC074CCF79A}"/>
+                <a16:creationId xmlns:a16="http://schemas.microsoft.com/office/drawing/2014/main" xmlns="" id="{719264B9-9AAE-9477-EFB9-DEC074CCF79A}"/>
               </a:ext>
             </a:extLst>
           </p:cNvPr>
@@ -9762,7 +9930,7 @@
             <p:cNvPr id="7" name="그림 6">
               <a:extLst>
                 <a:ext uri="{FF2B5EF4-FFF2-40B4-BE49-F238E27FC236}">
-                  <a16:creationId xmlns:a16="http://schemas.microsoft.com/office/drawing/2014/main" id="{0B961C29-B02F-26E3-027E-7A42957578FA}"/>
+                  <a16:creationId xmlns:a16="http://schemas.microsoft.com/office/drawing/2014/main" xmlns="" id="{0B961C29-B02F-26E3-027E-7A42957578FA}"/>
                 </a:ext>
               </a:extLst>
             </p:cNvPr>
@@ -9792,7 +9960,7 @@
             <p:cNvPr id="9" name="그림 8">
               <a:extLst>
                 <a:ext uri="{FF2B5EF4-FFF2-40B4-BE49-F238E27FC236}">
-                  <a16:creationId xmlns:a16="http://schemas.microsoft.com/office/drawing/2014/main" id="{38EA9C2D-A781-0C76-B123-005DD6516C2A}"/>
+                  <a16:creationId xmlns:a16="http://schemas.microsoft.com/office/drawing/2014/main" xmlns="" id="{38EA9C2D-A781-0C76-B123-005DD6516C2A}"/>
                 </a:ext>
               </a:extLst>
             </p:cNvPr>
@@ -9823,7 +9991,7 @@
           <p:cNvPr id="12" name="TextBox 11">
             <a:extLst>
               <a:ext uri="{FF2B5EF4-FFF2-40B4-BE49-F238E27FC236}">
-                <a16:creationId xmlns:a16="http://schemas.microsoft.com/office/drawing/2014/main" id="{F92E925B-07A0-9A6E-E97F-91AF9F627031}"/>
+                <a16:creationId xmlns:a16="http://schemas.microsoft.com/office/drawing/2014/main" xmlns="" id="{F92E925B-07A0-9A6E-E97F-91AF9F627031}"/>
               </a:ext>
             </a:extLst>
           </p:cNvPr>
@@ -11806,7 +11974,7 @@
           <p:cNvPr id="14" name="그림 13">
             <a:extLst>
               <a:ext uri="{FF2B5EF4-FFF2-40B4-BE49-F238E27FC236}">
-                <a16:creationId xmlns:a16="http://schemas.microsoft.com/office/drawing/2014/main" id="{7006AAF1-A3F4-B413-F6E3-560318EB1252}"/>
+                <a16:creationId xmlns:a16="http://schemas.microsoft.com/office/drawing/2014/main" xmlns="" id="{7006AAF1-A3F4-B413-F6E3-560318EB1252}"/>
               </a:ext>
             </a:extLst>
           </p:cNvPr>
@@ -11836,7 +12004,7 @@
           <p:cNvPr id="15" name="TextBox 14">
             <a:extLst>
               <a:ext uri="{FF2B5EF4-FFF2-40B4-BE49-F238E27FC236}">
-                <a16:creationId xmlns:a16="http://schemas.microsoft.com/office/drawing/2014/main" id="{0B775F7C-A495-D227-5CD1-54A65DAA35BC}"/>
+                <a16:creationId xmlns:a16="http://schemas.microsoft.com/office/drawing/2014/main" xmlns="" id="{0B775F7C-A495-D227-5CD1-54A65DAA35BC}"/>
               </a:ext>
             </a:extLst>
           </p:cNvPr>
@@ -11872,7 +12040,7 @@
           <p:cNvPr id="16" name="TextBox 15">
             <a:extLst>
               <a:ext uri="{FF2B5EF4-FFF2-40B4-BE49-F238E27FC236}">
-                <a16:creationId xmlns:a16="http://schemas.microsoft.com/office/drawing/2014/main" id="{6FACBD11-7887-274D-BF35-6BC34558BA53}"/>
+                <a16:creationId xmlns:a16="http://schemas.microsoft.com/office/drawing/2014/main" xmlns="" id="{6FACBD11-7887-274D-BF35-6BC34558BA53}"/>
               </a:ext>
             </a:extLst>
           </p:cNvPr>
@@ -11908,7 +12076,7 @@
           <p:cNvPr id="17" name="화살표: 오른쪽 16">
             <a:extLst>
               <a:ext uri="{FF2B5EF4-FFF2-40B4-BE49-F238E27FC236}">
-                <a16:creationId xmlns:a16="http://schemas.microsoft.com/office/drawing/2014/main" id="{06A3DA6E-C086-9CB9-1D12-0A84A0AA6DEF}"/>
+                <a16:creationId xmlns:a16="http://schemas.microsoft.com/office/drawing/2014/main" xmlns="" id="{06A3DA6E-C086-9CB9-1D12-0A84A0AA6DEF}"/>
               </a:ext>
             </a:extLst>
           </p:cNvPr>
@@ -11954,7 +12122,7 @@
           <p:cNvPr id="2" name="직사각형 1">
             <a:extLst>
               <a:ext uri="{FF2B5EF4-FFF2-40B4-BE49-F238E27FC236}">
-                <a16:creationId xmlns:a16="http://schemas.microsoft.com/office/drawing/2014/main" id="{4301B565-2473-AE4A-BE1B-CCCF8974E52C}"/>
+                <a16:creationId xmlns:a16="http://schemas.microsoft.com/office/drawing/2014/main" xmlns="" id="{4301B565-2473-AE4A-BE1B-CCCF8974E52C}"/>
               </a:ext>
             </a:extLst>
           </p:cNvPr>
@@ -12036,7 +12204,7 @@
           <p:cNvPr id="5" name="그림 4">
             <a:extLst>
               <a:ext uri="{FF2B5EF4-FFF2-40B4-BE49-F238E27FC236}">
-                <a16:creationId xmlns:a16="http://schemas.microsoft.com/office/drawing/2014/main" id="{B435C393-F58D-6FEC-9D09-4ABB8DDCC0A6}"/>
+                <a16:creationId xmlns:a16="http://schemas.microsoft.com/office/drawing/2014/main" xmlns="" id="{B435C393-F58D-6FEC-9D09-4ABB8DDCC0A6}"/>
               </a:ext>
             </a:extLst>
           </p:cNvPr>
@@ -12066,7 +12234,7 @@
           <p:cNvPr id="12" name="직선 화살표 연결선 11">
             <a:extLst>
               <a:ext uri="{FF2B5EF4-FFF2-40B4-BE49-F238E27FC236}">
-                <a16:creationId xmlns:a16="http://schemas.microsoft.com/office/drawing/2014/main" id="{BA403B85-B8BE-CD30-2192-B37D21154562}"/>
+                <a16:creationId xmlns:a16="http://schemas.microsoft.com/office/drawing/2014/main" xmlns="" id="{BA403B85-B8BE-CD30-2192-B37D21154562}"/>
               </a:ext>
             </a:extLst>
           </p:cNvPr>
@@ -12111,7 +12279,7 @@
           <p:cNvPr id="3" name="직사각형 2">
             <a:extLst>
               <a:ext uri="{FF2B5EF4-FFF2-40B4-BE49-F238E27FC236}">
-                <a16:creationId xmlns:a16="http://schemas.microsoft.com/office/drawing/2014/main" id="{3DF280BD-43D1-74D8-6D9C-72439FB22075}"/>
+                <a16:creationId xmlns:a16="http://schemas.microsoft.com/office/drawing/2014/main" xmlns="" id="{3DF280BD-43D1-74D8-6D9C-72439FB22075}"/>
               </a:ext>
             </a:extLst>
           </p:cNvPr>
@@ -12163,7 +12331,7 @@
           <p:cNvPr id="2" name="Rectangle 1">
             <a:extLst>
               <a:ext uri="{FF2B5EF4-FFF2-40B4-BE49-F238E27FC236}">
-                <a16:creationId xmlns:a16="http://schemas.microsoft.com/office/drawing/2014/main" id="{87C3CB24-AD80-51B9-9100-28477D069EAA}"/>
+                <a16:creationId xmlns:a16="http://schemas.microsoft.com/office/drawing/2014/main" xmlns="" id="{87C3CB24-AD80-51B9-9100-28477D069EAA}"/>
               </a:ext>
             </a:extLst>
           </p:cNvPr>
@@ -12902,6 +13070,20 @@
                 <a:ea typeface="JetBrains Mono"/>
               </a:rPr>
             </a:br>
+            <a:r>
+              <a:rPr kumimoji="0" lang="ko-KR" altLang="ko-KR" sz="900" b="0" i="0" u="none" strike="noStrike" cap="none" normalizeH="0" baseline="0" dirty="0">
+                <a:ln>
+                  <a:noFill/>
+                </a:ln>
+                <a:solidFill>
+                  <a:srgbClr val="BCBEC4"/>
+                </a:solidFill>
+                <a:effectLst/>
+                <a:latin typeface="Arial Unicode MS"/>
+                <a:ea typeface="JetBrains Mono"/>
+              </a:rPr>
+              <a:t/>
+            </a:r>
             <a:br>
               <a:rPr kumimoji="0" lang="ko-KR" altLang="ko-KR" sz="900" b="0" i="0" u="none" strike="noStrike" cap="none" normalizeH="0" baseline="0" dirty="0">
                 <a:ln>
@@ -12915,6 +13097,20 @@
                 <a:ea typeface="JetBrains Mono"/>
               </a:rPr>
             </a:br>
+            <a:r>
+              <a:rPr kumimoji="0" lang="ko-KR" altLang="ko-KR" sz="900" b="0" i="0" u="none" strike="noStrike" cap="none" normalizeH="0" baseline="0" dirty="0">
+                <a:ln>
+                  <a:noFill/>
+                </a:ln>
+                <a:solidFill>
+                  <a:srgbClr val="BCBEC4"/>
+                </a:solidFill>
+                <a:effectLst/>
+                <a:latin typeface="Arial Unicode MS"/>
+                <a:ea typeface="JetBrains Mono"/>
+              </a:rPr>
+              <a:t/>
+            </a:r>
             <a:br>
               <a:rPr kumimoji="0" lang="ko-KR" altLang="ko-KR" sz="900" b="0" i="0" u="none" strike="noStrike" cap="none" normalizeH="0" baseline="0" dirty="0">
                 <a:ln>
@@ -13068,6 +13264,20 @@
               </a:rPr>
               <a:t>usage</a:t>
             </a:r>
+            <a:r>
+              <a:rPr kumimoji="0" lang="ko-KR" altLang="ko-KR" sz="900" b="0" i="0" u="none" strike="noStrike" cap="none" normalizeH="0" baseline="0" dirty="0">
+                <a:ln>
+                  <a:noFill/>
+                </a:ln>
+                <a:solidFill>
+                  <a:srgbClr val="7A7E85"/>
+                </a:solidFill>
+                <a:effectLst/>
+                <a:latin typeface="Arial Unicode MS"/>
+                <a:ea typeface="JetBrains Mono"/>
+              </a:rPr>
+              <a:t/>
+            </a:r>
             <a:br>
               <a:rPr kumimoji="0" lang="ko-KR" altLang="ko-KR" sz="900" b="0" i="0" u="none" strike="noStrike" cap="none" normalizeH="0" baseline="0" dirty="0">
                 <a:ln>
@@ -13262,6 +13472,20 @@
               </a:rPr>
               <a:t>percent</a:t>
             </a:r>
+            <a:r>
+              <a:rPr kumimoji="0" lang="ko-KR" altLang="ko-KR" sz="900" b="0" i="0" u="none" strike="noStrike" cap="none" normalizeH="0" baseline="0" dirty="0">
+                <a:ln>
+                  <a:noFill/>
+                </a:ln>
+                <a:solidFill>
+                  <a:srgbClr val="BCBEC4"/>
+                </a:solidFill>
+                <a:effectLst/>
+                <a:latin typeface="Arial Unicode MS"/>
+                <a:ea typeface="JetBrains Mono"/>
+              </a:rPr>
+              <a:t/>
+            </a:r>
             <a:br>
               <a:rPr kumimoji="0" lang="ko-KR" altLang="ko-KR" sz="900" b="0" i="0" u="none" strike="noStrike" cap="none" normalizeH="0" baseline="0" dirty="0">
                 <a:ln>
@@ -13386,6 +13610,20 @@
                 <a:ea typeface="JetBrains Mono"/>
               </a:rPr>
             </a:br>
+            <a:r>
+              <a:rPr kumimoji="0" lang="ko-KR" altLang="ko-KR" sz="900" b="0" i="0" u="none" strike="noStrike" cap="none" normalizeH="0" baseline="0" dirty="0">
+                <a:ln>
+                  <a:noFill/>
+                </a:ln>
+                <a:solidFill>
+                  <a:srgbClr val="BCBEC4"/>
+                </a:solidFill>
+                <a:effectLst/>
+                <a:latin typeface="Arial Unicode MS"/>
+                <a:ea typeface="JetBrains Mono"/>
+              </a:rPr>
+              <a:t/>
+            </a:r>
             <a:br>
               <a:rPr kumimoji="0" lang="ko-KR" altLang="ko-KR" sz="900" b="0" i="0" u="none" strike="noStrike" cap="none" normalizeH="0" baseline="0" dirty="0">
                 <a:ln>
@@ -13399,6 +13637,20 @@
                 <a:ea typeface="JetBrains Mono"/>
               </a:rPr>
             </a:br>
+            <a:r>
+              <a:rPr kumimoji="0" lang="ko-KR" altLang="ko-KR" sz="900" b="0" i="0" u="none" strike="noStrike" cap="none" normalizeH="0" baseline="0" dirty="0">
+                <a:ln>
+                  <a:noFill/>
+                </a:ln>
+                <a:solidFill>
+                  <a:srgbClr val="BCBEC4"/>
+                </a:solidFill>
+                <a:effectLst/>
+                <a:latin typeface="Arial Unicode MS"/>
+                <a:ea typeface="JetBrains Mono"/>
+              </a:rPr>
+              <a:t/>
+            </a:r>
             <a:br>
               <a:rPr kumimoji="0" lang="ko-KR" altLang="ko-KR" sz="900" b="0" i="0" u="none" strike="noStrike" cap="none" normalizeH="0" baseline="0" dirty="0">
                 <a:ln>
@@ -13827,6 +14079,20 @@
                 <a:ea typeface="JetBrains Mono"/>
               </a:rPr>
             </a:br>
+            <a:r>
+              <a:rPr kumimoji="0" lang="ko-KR" altLang="ko-KR" sz="900" b="0" i="0" u="none" strike="noStrike" cap="none" normalizeH="0" baseline="0" dirty="0">
+                <a:ln>
+                  <a:noFill/>
+                </a:ln>
+                <a:solidFill>
+                  <a:srgbClr val="BCBEC4"/>
+                </a:solidFill>
+                <a:effectLst/>
+                <a:latin typeface="Arial Unicode MS"/>
+                <a:ea typeface="JetBrains Mono"/>
+              </a:rPr>
+              <a:t/>
+            </a:r>
             <a:br>
               <a:rPr kumimoji="0" lang="ko-KR" altLang="ko-KR" sz="900" b="0" i="0" u="none" strike="noStrike" cap="none" normalizeH="0" baseline="0" dirty="0">
                 <a:ln>
@@ -14283,6 +14549,20 @@
                 <a:ea typeface="JetBrains Mono"/>
               </a:rPr>
             </a:br>
+            <a:r>
+              <a:rPr kumimoji="0" lang="ko-KR" altLang="ko-KR" sz="900" b="0" i="0" u="none" strike="noStrike" cap="none" normalizeH="0" baseline="0" dirty="0">
+                <a:ln>
+                  <a:noFill/>
+                </a:ln>
+                <a:solidFill>
+                  <a:srgbClr val="BCBEC4"/>
+                </a:solidFill>
+                <a:effectLst/>
+                <a:latin typeface="Arial Unicode MS"/>
+                <a:ea typeface="JetBrains Mono"/>
+              </a:rPr>
+              <a:t/>
+            </a:r>
             <a:br>
               <a:rPr kumimoji="0" lang="ko-KR" altLang="ko-KR" sz="900" b="0" i="0" u="none" strike="noStrike" cap="none" normalizeH="0" baseline="0" dirty="0">
                 <a:ln>
@@ -14296,6 +14576,20 @@
                 <a:ea typeface="JetBrains Mono"/>
               </a:rPr>
             </a:br>
+            <a:r>
+              <a:rPr kumimoji="0" lang="ko-KR" altLang="ko-KR" sz="900" b="0" i="0" u="none" strike="noStrike" cap="none" normalizeH="0" baseline="0" dirty="0">
+                <a:ln>
+                  <a:noFill/>
+                </a:ln>
+                <a:solidFill>
+                  <a:srgbClr val="BCBEC4"/>
+                </a:solidFill>
+                <a:effectLst/>
+                <a:latin typeface="Arial Unicode MS"/>
+                <a:ea typeface="JetBrains Mono"/>
+              </a:rPr>
+              <a:t/>
+            </a:r>
             <a:br>
               <a:rPr kumimoji="0" lang="ko-KR" altLang="ko-KR" sz="900" b="0" i="0" u="none" strike="noStrike" cap="none" normalizeH="0" baseline="0" dirty="0">
                 <a:ln>
@@ -14807,6 +15101,20 @@
                 <a:ea typeface="JetBrains Mono"/>
               </a:rPr>
             </a:br>
+            <a:r>
+              <a:rPr kumimoji="0" lang="ko-KR" altLang="ko-KR" sz="900" b="0" i="0" u="none" strike="noStrike" cap="none" normalizeH="0" baseline="0" dirty="0">
+                <a:ln>
+                  <a:noFill/>
+                </a:ln>
+                <a:solidFill>
+                  <a:srgbClr val="BCBEC4"/>
+                </a:solidFill>
+                <a:effectLst/>
+                <a:latin typeface="Arial Unicode MS"/>
+                <a:ea typeface="JetBrains Mono"/>
+              </a:rPr>
+              <a:t/>
+            </a:r>
             <a:br>
               <a:rPr kumimoji="0" lang="ko-KR" altLang="ko-KR" sz="900" b="0" i="0" u="none" strike="noStrike" cap="none" normalizeH="0" baseline="0" dirty="0">
                 <a:ln>
@@ -15332,6 +15640,20 @@
                 <a:ea typeface="JetBrains Mono"/>
               </a:rPr>
             </a:br>
+            <a:r>
+              <a:rPr kumimoji="0" lang="ko-KR" altLang="ko-KR" sz="900" b="0" i="0" u="none" strike="noStrike" cap="none" normalizeH="0" baseline="0" dirty="0">
+                <a:ln>
+                  <a:noFill/>
+                </a:ln>
+                <a:solidFill>
+                  <a:srgbClr val="BCBEC4"/>
+                </a:solidFill>
+                <a:effectLst/>
+                <a:latin typeface="Arial Unicode MS"/>
+                <a:ea typeface="JetBrains Mono"/>
+              </a:rPr>
+              <a:t/>
+            </a:r>
             <a:br>
               <a:rPr kumimoji="0" lang="ko-KR" altLang="ko-KR" sz="900" b="0" i="0" u="none" strike="noStrike" cap="none" normalizeH="0" baseline="0" dirty="0">
                 <a:ln>
@@ -15511,6 +15833,20 @@
                 <a:ea typeface="JetBrains Mono"/>
               </a:rPr>
             </a:br>
+            <a:r>
+              <a:rPr kumimoji="0" lang="ko-KR" altLang="ko-KR" sz="900" b="0" i="0" u="none" strike="noStrike" cap="none" normalizeH="0" baseline="0" dirty="0">
+                <a:ln>
+                  <a:noFill/>
+                </a:ln>
+                <a:solidFill>
+                  <a:srgbClr val="BCBEC4"/>
+                </a:solidFill>
+                <a:effectLst/>
+                <a:latin typeface="Arial Unicode MS"/>
+                <a:ea typeface="JetBrains Mono"/>
+              </a:rPr>
+              <a:t/>
+            </a:r>
             <a:br>
               <a:rPr kumimoji="0" lang="ko-KR" altLang="ko-KR" sz="900" b="0" i="0" u="none" strike="noStrike" cap="none" normalizeH="0" baseline="0" dirty="0">
                 <a:ln>
@@ -15669,7 +16005,7 @@
           <p:cNvPr id="7" name="그림 6">
             <a:extLst>
               <a:ext uri="{FF2B5EF4-FFF2-40B4-BE49-F238E27FC236}">
-                <a16:creationId xmlns:a16="http://schemas.microsoft.com/office/drawing/2014/main" id="{CA9BD65A-A4B0-5E77-582E-9A8AF2F27389}"/>
+                <a16:creationId xmlns:a16="http://schemas.microsoft.com/office/drawing/2014/main" xmlns="" id="{CA9BD65A-A4B0-5E77-582E-9A8AF2F27389}"/>
               </a:ext>
             </a:extLst>
           </p:cNvPr>
@@ -15699,7 +16035,7 @@
           <p:cNvPr id="8" name="TextBox 7">
             <a:extLst>
               <a:ext uri="{FF2B5EF4-FFF2-40B4-BE49-F238E27FC236}">
-                <a16:creationId xmlns:a16="http://schemas.microsoft.com/office/drawing/2014/main" id="{D00B7677-9376-B121-ED97-1C493FE6249F}"/>
+                <a16:creationId xmlns:a16="http://schemas.microsoft.com/office/drawing/2014/main" xmlns="" id="{D00B7677-9376-B121-ED97-1C493FE6249F}"/>
               </a:ext>
             </a:extLst>
           </p:cNvPr>
@@ -15738,7 +16074,7 @@
           <p:cNvPr id="11" name="그림 10">
             <a:extLst>
               <a:ext uri="{FF2B5EF4-FFF2-40B4-BE49-F238E27FC236}">
-                <a16:creationId xmlns:a16="http://schemas.microsoft.com/office/drawing/2014/main" id="{31AC3FCF-03FF-F33B-1DF2-911A5D21DA2E}"/>
+                <a16:creationId xmlns:a16="http://schemas.microsoft.com/office/drawing/2014/main" xmlns="" id="{31AC3FCF-03FF-F33B-1DF2-911A5D21DA2E}"/>
               </a:ext>
             </a:extLst>
           </p:cNvPr>
@@ -15798,7 +16134,7 @@
           <p:cNvPr id="8" name="그림 7">
             <a:extLst>
               <a:ext uri="{FF2B5EF4-FFF2-40B4-BE49-F238E27FC236}">
-                <a16:creationId xmlns:a16="http://schemas.microsoft.com/office/drawing/2014/main" id="{B89E75AF-5163-A952-32B6-720FF9A8C037}"/>
+                <a16:creationId xmlns:a16="http://schemas.microsoft.com/office/drawing/2014/main" xmlns="" id="{B89E75AF-5163-A952-32B6-720FF9A8C037}"/>
               </a:ext>
             </a:extLst>
           </p:cNvPr>
@@ -15833,7 +16169,7 @@
           <p:cNvPr id="10" name="그림 9">
             <a:extLst>
               <a:ext uri="{FF2B5EF4-FFF2-40B4-BE49-F238E27FC236}">
-                <a16:creationId xmlns:a16="http://schemas.microsoft.com/office/drawing/2014/main" id="{6DED82E8-C8A0-0010-565E-B1386F012D43}"/>
+                <a16:creationId xmlns:a16="http://schemas.microsoft.com/office/drawing/2014/main" xmlns="" id="{6DED82E8-C8A0-0010-565E-B1386F012D43}"/>
               </a:ext>
             </a:extLst>
           </p:cNvPr>
@@ -15898,7 +16234,7 @@
           <p:cNvPr id="6" name="그림 5">
             <a:extLst>
               <a:ext uri="{FF2B5EF4-FFF2-40B4-BE49-F238E27FC236}">
-                <a16:creationId xmlns:a16="http://schemas.microsoft.com/office/drawing/2014/main" id="{B8B30428-3487-C9FB-C844-BA956C0996D9}"/>
+                <a16:creationId xmlns:a16="http://schemas.microsoft.com/office/drawing/2014/main" xmlns="" id="{B8B30428-3487-C9FB-C844-BA956C0996D9}"/>
               </a:ext>
             </a:extLst>
           </p:cNvPr>
@@ -15963,7 +16299,7 @@
           <p:cNvPr id="7" name="그림 6">
             <a:extLst>
               <a:ext uri="{FF2B5EF4-FFF2-40B4-BE49-F238E27FC236}">
-                <a16:creationId xmlns:a16="http://schemas.microsoft.com/office/drawing/2014/main" id="{5EECC6EB-AAC6-C0B2-2DAD-0101701CF194}"/>
+                <a16:creationId xmlns:a16="http://schemas.microsoft.com/office/drawing/2014/main" xmlns="" id="{5EECC6EB-AAC6-C0B2-2DAD-0101701CF194}"/>
               </a:ext>
             </a:extLst>
           </p:cNvPr>
@@ -15992,7 +16328,7 @@
           <p:cNvPr id="10" name="그림 9">
             <a:extLst>
               <a:ext uri="{FF2B5EF4-FFF2-40B4-BE49-F238E27FC236}">
-                <a16:creationId xmlns:a16="http://schemas.microsoft.com/office/drawing/2014/main" id="{99C9B7A5-F839-E44A-C2B1-D2F400439631}"/>
+                <a16:creationId xmlns:a16="http://schemas.microsoft.com/office/drawing/2014/main" xmlns="" id="{99C9B7A5-F839-E44A-C2B1-D2F400439631}"/>
               </a:ext>
             </a:extLst>
           </p:cNvPr>
@@ -16022,7 +16358,7 @@
           <p:cNvPr id="2" name="직사각형 1">
             <a:extLst>
               <a:ext uri="{FF2B5EF4-FFF2-40B4-BE49-F238E27FC236}">
-                <a16:creationId xmlns:a16="http://schemas.microsoft.com/office/drawing/2014/main" id="{C4C908F2-ACFF-F146-A24A-C86498CE1810}"/>
+                <a16:creationId xmlns:a16="http://schemas.microsoft.com/office/drawing/2014/main" xmlns="" id="{C4C908F2-ACFF-F146-A24A-C86498CE1810}"/>
               </a:ext>
             </a:extLst>
           </p:cNvPr>
@@ -16104,7 +16440,7 @@
           <p:cNvPr id="4" name="TextBox 3">
             <a:extLst>
               <a:ext uri="{FF2B5EF4-FFF2-40B4-BE49-F238E27FC236}">
-                <a16:creationId xmlns:a16="http://schemas.microsoft.com/office/drawing/2014/main" id="{938415E1-A23E-5539-C1B9-44EA04A90FDB}"/>
+                <a16:creationId xmlns:a16="http://schemas.microsoft.com/office/drawing/2014/main" xmlns="" id="{938415E1-A23E-5539-C1B9-44EA04A90FDB}"/>
               </a:ext>
             </a:extLst>
           </p:cNvPr>
@@ -16147,7 +16483,7 @@
           <p:cNvPr id="1028" name="Picture 4">
             <a:extLst>
               <a:ext uri="{FF2B5EF4-FFF2-40B4-BE49-F238E27FC236}">
-                <a16:creationId xmlns:a16="http://schemas.microsoft.com/office/drawing/2014/main" id="{8A9DD921-A45C-B432-4BFA-39FA1951798A}"/>
+                <a16:creationId xmlns:a16="http://schemas.microsoft.com/office/drawing/2014/main" xmlns="" id="{8A9DD921-A45C-B432-4BFA-39FA1951798A}"/>
               </a:ext>
             </a:extLst>
           </p:cNvPr>
@@ -16224,7 +16560,7 @@
           <p:cNvPr id="5" name="그림 4">
             <a:extLst>
               <a:ext uri="{FF2B5EF4-FFF2-40B4-BE49-F238E27FC236}">
-                <a16:creationId xmlns:a16="http://schemas.microsoft.com/office/drawing/2014/main" id="{D052609C-ADDC-4A99-44A5-C6E51E053B55}"/>
+                <a16:creationId xmlns:a16="http://schemas.microsoft.com/office/drawing/2014/main" xmlns="" id="{D052609C-ADDC-4A99-44A5-C6E51E053B55}"/>
               </a:ext>
             </a:extLst>
           </p:cNvPr>
@@ -16254,7 +16590,7 @@
           <p:cNvPr id="7" name="Rectangle 2">
             <a:extLst>
               <a:ext uri="{FF2B5EF4-FFF2-40B4-BE49-F238E27FC236}">
-                <a16:creationId xmlns:a16="http://schemas.microsoft.com/office/drawing/2014/main" id="{817FF0CA-44E3-7AD3-3B99-EDF5D519D97A}"/>
+                <a16:creationId xmlns:a16="http://schemas.microsoft.com/office/drawing/2014/main" xmlns="" id="{817FF0CA-44E3-7AD3-3B99-EDF5D519D97A}"/>
               </a:ext>
             </a:extLst>
           </p:cNvPr>
@@ -16325,6 +16661,20 @@
               <a:buNone/>
               <a:tabLst/>
             </a:pPr>
+            <a:r>
+              <a:rPr kumimoji="0" lang="ko-KR" altLang="ko-KR" sz="900" b="0" i="0" u="none" strike="noStrike" cap="none" normalizeH="0" baseline="0" dirty="0">
+                <a:ln>
+                  <a:noFill/>
+                </a:ln>
+                <a:solidFill>
+                  <a:srgbClr val="F8F8F2"/>
+                </a:solidFill>
+                <a:effectLst/>
+                <a:latin typeface="Arial Unicode MS"/>
+                <a:ea typeface="JetBrains Mono"/>
+              </a:rPr>
+              <a:t/>
+            </a:r>
             <a:br>
               <a:rPr kumimoji="0" lang="ko-KR" altLang="ko-KR" sz="900" b="0" i="0" u="none" strike="noStrike" cap="none" normalizeH="0" baseline="0" dirty="0">
                 <a:ln>
@@ -16476,6 +16826,20 @@
                 <a:ea typeface="JetBrains Mono"/>
               </a:rPr>
             </a:br>
+            <a:r>
+              <a:rPr kumimoji="0" lang="ko-KR" altLang="ko-KR" sz="900" b="0" i="0" u="none" strike="noStrike" cap="none" normalizeH="0" baseline="0" dirty="0">
+                <a:ln>
+                  <a:noFill/>
+                </a:ln>
+                <a:solidFill>
+                  <a:srgbClr val="9580FF"/>
+                </a:solidFill>
+                <a:effectLst/>
+                <a:latin typeface="Arial Unicode MS"/>
+                <a:ea typeface="JetBrains Mono"/>
+              </a:rPr>
+              <a:t/>
+            </a:r>
             <a:br>
               <a:rPr kumimoji="0" lang="ko-KR" altLang="ko-KR" sz="900" b="0" i="0" u="none" strike="noStrike" cap="none" normalizeH="0" baseline="0" dirty="0">
                 <a:ln>
@@ -16684,6 +17048,20 @@
                 <a:ea typeface="JetBrains Mono"/>
               </a:rPr>
             </a:br>
+            <a:r>
+              <a:rPr kumimoji="0" lang="ko-KR" altLang="ko-KR" sz="900" b="0" i="0" u="none" strike="noStrike" cap="none" normalizeH="0" baseline="0" dirty="0">
+                <a:ln>
+                  <a:noFill/>
+                </a:ln>
+                <a:solidFill>
+                  <a:srgbClr val="F8F8F2"/>
+                </a:solidFill>
+                <a:effectLst/>
+                <a:latin typeface="Arial Unicode MS"/>
+                <a:ea typeface="JetBrains Mono"/>
+              </a:rPr>
+              <a:t/>
+            </a:r>
             <a:br>
               <a:rPr kumimoji="0" lang="ko-KR" altLang="ko-KR" sz="900" b="0" i="0" u="none" strike="noStrike" cap="none" normalizeH="0" baseline="0" dirty="0">
                 <a:ln>
@@ -16863,6 +17241,20 @@
                 <a:ea typeface="JetBrains Mono"/>
               </a:rPr>
             </a:br>
+            <a:r>
+              <a:rPr kumimoji="0" lang="ko-KR" altLang="ko-KR" sz="900" b="0" i="0" u="none" strike="noStrike" cap="none" normalizeH="0" baseline="0" dirty="0">
+                <a:ln>
+                  <a:noFill/>
+                </a:ln>
+                <a:solidFill>
+                  <a:srgbClr val="8AFF80"/>
+                </a:solidFill>
+                <a:effectLst/>
+                <a:latin typeface="Arial Unicode MS"/>
+                <a:ea typeface="JetBrains Mono"/>
+              </a:rPr>
+              <a:t/>
+            </a:r>
             <a:br>
               <a:rPr kumimoji="0" lang="ko-KR" altLang="ko-KR" sz="900" b="0" i="0" u="none" strike="noStrike" cap="none" normalizeH="0" baseline="0" dirty="0">
                 <a:ln>
@@ -17608,6 +18000,20 @@
               </a:rPr>
               <a:t>…</a:t>
             </a:r>
+            <a:r>
+              <a:rPr kumimoji="0" lang="ko-KR" altLang="ko-KR" sz="900" b="0" i="0" u="none" strike="noStrike" cap="none" normalizeH="0" baseline="0" dirty="0">
+                <a:ln>
+                  <a:noFill/>
+                </a:ln>
+                <a:solidFill>
+                  <a:srgbClr val="F8F8F2"/>
+                </a:solidFill>
+                <a:effectLst/>
+                <a:latin typeface="Arial Unicode MS"/>
+                <a:ea typeface="JetBrains Mono"/>
+              </a:rPr>
+              <a:t/>
+            </a:r>
             <a:br>
               <a:rPr kumimoji="0" lang="ko-KR" altLang="ko-KR" sz="900" b="0" i="0" u="none" strike="noStrike" cap="none" normalizeH="0" baseline="0" dirty="0">
                 <a:ln>
@@ -18497,6 +18903,20 @@
                 <a:ea typeface="JetBrains Mono"/>
               </a:rPr>
             </a:br>
+            <a:r>
+              <a:rPr kumimoji="0" lang="ko-KR" altLang="ko-KR" sz="900" b="0" i="0" u="none" strike="noStrike" cap="none" normalizeH="0" baseline="0" dirty="0">
+                <a:ln>
+                  <a:noFill/>
+                </a:ln>
+                <a:solidFill>
+                  <a:srgbClr val="F8F8F2"/>
+                </a:solidFill>
+                <a:effectLst/>
+                <a:latin typeface="Arial Unicode MS"/>
+                <a:ea typeface="JetBrains Mono"/>
+              </a:rPr>
+              <a:t/>
+            </a:r>
             <a:br>
               <a:rPr kumimoji="0" lang="ko-KR" altLang="ko-KR" sz="900" b="0" i="0" u="none" strike="noStrike" cap="none" normalizeH="0" baseline="0" dirty="0">
                 <a:ln>
@@ -19304,6 +19724,20 @@
                 <a:ea typeface="JetBrains Mono"/>
               </a:rPr>
             </a:br>
+            <a:r>
+              <a:rPr kumimoji="0" lang="ko-KR" altLang="ko-KR" sz="900" b="0" i="0" u="none" strike="noStrike" cap="none" normalizeH="0" baseline="0" dirty="0">
+                <a:ln>
+                  <a:noFill/>
+                </a:ln>
+                <a:solidFill>
+                  <a:srgbClr val="8AFF80"/>
+                </a:solidFill>
+                <a:effectLst/>
+                <a:latin typeface="Arial Unicode MS"/>
+                <a:ea typeface="JetBrains Mono"/>
+              </a:rPr>
+              <a:t/>
+            </a:r>
             <a:br>
               <a:rPr kumimoji="0" lang="ko-KR" altLang="ko-KR" sz="900" b="0" i="0" u="none" strike="noStrike" cap="none" normalizeH="0" baseline="0" dirty="0">
                 <a:ln>
@@ -19733,6 +20167,20 @@
                 <a:ea typeface="JetBrains Mono"/>
               </a:rPr>
             </a:br>
+            <a:r>
+              <a:rPr kumimoji="0" lang="ko-KR" altLang="ko-KR" sz="900" b="0" i="0" u="none" strike="noStrike" cap="none" normalizeH="0" baseline="0" dirty="0">
+                <a:ln>
+                  <a:noFill/>
+                </a:ln>
+                <a:solidFill>
+                  <a:srgbClr val="8AFF80"/>
+                </a:solidFill>
+                <a:effectLst/>
+                <a:latin typeface="Arial Unicode MS"/>
+                <a:ea typeface="JetBrains Mono"/>
+              </a:rPr>
+              <a:t/>
+            </a:r>
             <a:br>
               <a:rPr kumimoji="0" lang="ko-KR" altLang="ko-KR" sz="900" b="0" i="0" u="none" strike="noStrike" cap="none" normalizeH="0" baseline="0" dirty="0">
                 <a:ln>
@@ -19746,6 +20194,20 @@
                 <a:ea typeface="JetBrains Mono"/>
               </a:rPr>
             </a:br>
+            <a:r>
+              <a:rPr kumimoji="0" lang="ko-KR" altLang="ko-KR" sz="900" b="0" i="1" u="none" strike="noStrike" cap="none" normalizeH="0" baseline="0" dirty="0">
+                <a:ln>
+                  <a:noFill/>
+                </a:ln>
+                <a:solidFill>
+                  <a:srgbClr val="6272A4"/>
+                </a:solidFill>
+                <a:effectLst/>
+                <a:latin typeface="Arial Unicode MS"/>
+                <a:ea typeface="JetBrains Mono"/>
+              </a:rPr>
+              <a:t/>
+            </a:r>
             <a:br>
               <a:rPr kumimoji="0" lang="ko-KR" altLang="ko-KR" sz="900" b="0" i="1" u="none" strike="noStrike" cap="none" normalizeH="0" baseline="0" dirty="0">
                 <a:ln>
@@ -19787,7 +20249,7 @@
           <p:cNvPr id="12" name="직선 화살표 연결선 11">
             <a:extLst>
               <a:ext uri="{FF2B5EF4-FFF2-40B4-BE49-F238E27FC236}">
-                <a16:creationId xmlns:a16="http://schemas.microsoft.com/office/drawing/2014/main" id="{4C8208B2-2F40-29C1-DB36-F68082ED55D5}"/>
+                <a16:creationId xmlns:a16="http://schemas.microsoft.com/office/drawing/2014/main" xmlns="" id="{4C8208B2-2F40-29C1-DB36-F68082ED55D5}"/>
               </a:ext>
             </a:extLst>
           </p:cNvPr>
@@ -19831,7 +20293,7 @@
           <p:cNvPr id="14" name="직사각형 13">
             <a:extLst>
               <a:ext uri="{FF2B5EF4-FFF2-40B4-BE49-F238E27FC236}">
-                <a16:creationId xmlns:a16="http://schemas.microsoft.com/office/drawing/2014/main" id="{02D4BE30-CB5F-7D37-9616-83357EC9981E}"/>
+                <a16:creationId xmlns:a16="http://schemas.microsoft.com/office/drawing/2014/main" xmlns="" id="{02D4BE30-CB5F-7D37-9616-83357EC9981E}"/>
               </a:ext>
             </a:extLst>
           </p:cNvPr>
@@ -19883,7 +20345,7 @@
           <p:cNvPr id="15" name="TextBox 14">
             <a:extLst>
               <a:ext uri="{FF2B5EF4-FFF2-40B4-BE49-F238E27FC236}">
-                <a16:creationId xmlns:a16="http://schemas.microsoft.com/office/drawing/2014/main" id="{E97EFD85-2B6F-A614-7CB5-450A06BC8BB2}"/>
+                <a16:creationId xmlns:a16="http://schemas.microsoft.com/office/drawing/2014/main" xmlns="" id="{E97EFD85-2B6F-A614-7CB5-450A06BC8BB2}"/>
               </a:ext>
             </a:extLst>
           </p:cNvPr>
@@ -19961,7 +20423,7 @@
           <p:cNvPr id="4" name="그림 3">
             <a:extLst>
               <a:ext uri="{FF2B5EF4-FFF2-40B4-BE49-F238E27FC236}">
-                <a16:creationId xmlns:a16="http://schemas.microsoft.com/office/drawing/2014/main" id="{DB9C437C-005F-4E99-F38E-1DEE07F1B28F}"/>
+                <a16:creationId xmlns:a16="http://schemas.microsoft.com/office/drawing/2014/main" xmlns="" id="{DB9C437C-005F-4E99-F38E-1DEE07F1B28F}"/>
               </a:ext>
             </a:extLst>
           </p:cNvPr>
@@ -19991,7 +20453,7 @@
           <p:cNvPr id="5" name="직선 화살표 연결선 4">
             <a:extLst>
               <a:ext uri="{FF2B5EF4-FFF2-40B4-BE49-F238E27FC236}">
-                <a16:creationId xmlns:a16="http://schemas.microsoft.com/office/drawing/2014/main" id="{FDF0467E-6D20-0DC6-C910-8E408D1D7586}"/>
+                <a16:creationId xmlns:a16="http://schemas.microsoft.com/office/drawing/2014/main" xmlns="" id="{FDF0467E-6D20-0DC6-C910-8E408D1D7586}"/>
               </a:ext>
             </a:extLst>
           </p:cNvPr>
@@ -20035,7 +20497,7 @@
           <p:cNvPr id="6" name="직사각형 5">
             <a:extLst>
               <a:ext uri="{FF2B5EF4-FFF2-40B4-BE49-F238E27FC236}">
-                <a16:creationId xmlns:a16="http://schemas.microsoft.com/office/drawing/2014/main" id="{4A3C9229-B484-36AA-2C48-E02CC4AB9F63}"/>
+                <a16:creationId xmlns:a16="http://schemas.microsoft.com/office/drawing/2014/main" xmlns="" id="{4A3C9229-B484-36AA-2C48-E02CC4AB9F63}"/>
               </a:ext>
             </a:extLst>
           </p:cNvPr>
@@ -20087,7 +20549,7 @@
           <p:cNvPr id="7" name="Rectangle 1">
             <a:extLst>
               <a:ext uri="{FF2B5EF4-FFF2-40B4-BE49-F238E27FC236}">
-                <a16:creationId xmlns:a16="http://schemas.microsoft.com/office/drawing/2014/main" id="{7D3AD777-6595-37FF-DFBB-49CEFBFF2424}"/>
+                <a16:creationId xmlns:a16="http://schemas.microsoft.com/office/drawing/2014/main" xmlns="" id="{7D3AD777-6595-37FF-DFBB-49CEFBFF2424}"/>
               </a:ext>
             </a:extLst>
           </p:cNvPr>
@@ -20672,6 +21134,20 @@
                 <a:ea typeface="JetBrains Mono"/>
               </a:rPr>
             </a:br>
+            <a:r>
+              <a:rPr kumimoji="0" lang="ko-KR" altLang="ko-KR" sz="900" b="0" i="0" u="none" strike="noStrike" cap="none" normalizeH="0" baseline="0" dirty="0">
+                <a:ln>
+                  <a:noFill/>
+                </a:ln>
+                <a:solidFill>
+                  <a:srgbClr val="F8F8F2"/>
+                </a:solidFill>
+                <a:effectLst/>
+                <a:latin typeface="Arial Unicode MS"/>
+                <a:ea typeface="JetBrains Mono"/>
+              </a:rPr>
+              <a:t/>
+            </a:r>
             <a:br>
               <a:rPr kumimoji="0" lang="ko-KR" altLang="ko-KR" sz="900" b="0" i="0" u="none" strike="noStrike" cap="none" normalizeH="0" baseline="0" dirty="0">
                 <a:ln>
@@ -20727,6 +21203,20 @@
               </a:rPr>
               <a:t>…</a:t>
             </a:r>
+            <a:r>
+              <a:rPr kumimoji="0" lang="ko-KR" altLang="ko-KR" sz="900" b="0" i="0" u="none" strike="noStrike" cap="none" normalizeH="0" baseline="0" dirty="0">
+                <a:ln>
+                  <a:noFill/>
+                </a:ln>
+                <a:solidFill>
+                  <a:srgbClr val="8AFF80"/>
+                </a:solidFill>
+                <a:effectLst/>
+                <a:latin typeface="Arial Unicode MS"/>
+                <a:ea typeface="JetBrains Mono"/>
+              </a:rPr>
+              <a:t/>
+            </a:r>
             <a:br>
               <a:rPr kumimoji="0" lang="ko-KR" altLang="ko-KR" sz="900" b="0" i="0" u="none" strike="noStrike" cap="none" normalizeH="0" baseline="0" dirty="0">
                 <a:ln>
@@ -20740,6 +21230,20 @@
                 <a:ea typeface="JetBrains Mono"/>
               </a:rPr>
             </a:br>
+            <a:r>
+              <a:rPr kumimoji="0" lang="ko-KR" altLang="ko-KR" sz="900" b="0" i="0" u="none" strike="noStrike" cap="none" normalizeH="0" baseline="0" dirty="0">
+                <a:ln>
+                  <a:noFill/>
+                </a:ln>
+                <a:solidFill>
+                  <a:srgbClr val="8AFF80"/>
+                </a:solidFill>
+                <a:effectLst/>
+                <a:latin typeface="Arial Unicode MS"/>
+                <a:ea typeface="JetBrains Mono"/>
+              </a:rPr>
+              <a:t/>
+            </a:r>
             <a:br>
               <a:rPr kumimoji="0" lang="ko-KR" altLang="ko-KR" sz="900" b="0" i="0" u="none" strike="noStrike" cap="none" normalizeH="0" baseline="0" dirty="0">
                 <a:ln>
@@ -21461,6 +21965,20 @@
                 <a:ea typeface="JetBrains Mono"/>
               </a:rPr>
             </a:br>
+            <a:r>
+              <a:rPr kumimoji="0" lang="ko-KR" altLang="ko-KR" sz="900" b="0" i="0" u="none" strike="noStrike" cap="none" normalizeH="0" baseline="0" dirty="0">
+                <a:ln>
+                  <a:noFill/>
+                </a:ln>
+                <a:solidFill>
+                  <a:srgbClr val="F8F8F2"/>
+                </a:solidFill>
+                <a:effectLst/>
+                <a:latin typeface="Arial Unicode MS"/>
+                <a:ea typeface="JetBrains Mono"/>
+              </a:rPr>
+              <a:t/>
+            </a:r>
             <a:br>
               <a:rPr kumimoji="0" lang="ko-KR" altLang="ko-KR" sz="900" b="0" i="0" u="none" strike="noStrike" cap="none" normalizeH="0" baseline="0" dirty="0">
                 <a:ln>
@@ -23576,6 +24094,20 @@
                 <a:ea typeface="JetBrains Mono"/>
               </a:rPr>
               <a:t>request</a:t>
+            </a:r>
+            <a:r>
+              <a:rPr kumimoji="0" lang="ko-KR" altLang="ko-KR" sz="900" b="0" i="1" u="none" strike="noStrike" cap="none" normalizeH="0" baseline="0" dirty="0">
+                <a:ln>
+                  <a:noFill/>
+                </a:ln>
+                <a:solidFill>
+                  <a:srgbClr val="6272A4"/>
+                </a:solidFill>
+                <a:effectLst/>
+                <a:latin typeface="Arial Unicode MS"/>
+                <a:ea typeface="JetBrains Mono"/>
+              </a:rPr>
+              <a:t/>
             </a:r>
             <a:br>
               <a:rPr kumimoji="0" lang="ko-KR" altLang="ko-KR" sz="900" b="0" i="1" u="none" strike="noStrike" cap="none" normalizeH="0" baseline="0" dirty="0">
@@ -23909,6 +24441,20 @@
                 <a:ea typeface="JetBrains Mono"/>
               </a:rPr>
             </a:br>
+            <a:r>
+              <a:rPr kumimoji="0" lang="ko-KR" altLang="ko-KR" sz="900" b="0" i="0" u="none" strike="noStrike" cap="none" normalizeH="0" baseline="0" dirty="0">
+                <a:ln>
+                  <a:noFill/>
+                </a:ln>
+                <a:solidFill>
+                  <a:srgbClr val="F8F8F2"/>
+                </a:solidFill>
+                <a:effectLst/>
+                <a:latin typeface="Arial Unicode MS"/>
+                <a:ea typeface="JetBrains Mono"/>
+              </a:rPr>
+              <a:t/>
+            </a:r>
             <a:br>
               <a:rPr kumimoji="0" lang="ko-KR" altLang="ko-KR" sz="900" b="0" i="0" u="none" strike="noStrike" cap="none" normalizeH="0" baseline="0" dirty="0">
                 <a:ln>
@@ -24396,6 +24942,20 @@
                 <a:ea typeface="JetBrains Mono"/>
               </a:rPr>
               <a:t>DoubleHistogram</a:t>
+            </a:r>
+            <a:r>
+              <a:rPr kumimoji="0" lang="ko-KR" altLang="ko-KR" sz="900" b="0" i="1" u="none" strike="noStrike" cap="none" normalizeH="0" baseline="0" dirty="0">
+                <a:ln>
+                  <a:noFill/>
+                </a:ln>
+                <a:solidFill>
+                  <a:srgbClr val="6272A4"/>
+                </a:solidFill>
+                <a:effectLst/>
+                <a:latin typeface="Arial Unicode MS"/>
+                <a:ea typeface="JetBrains Mono"/>
+              </a:rPr>
+              <a:t/>
             </a:r>
             <a:br>
               <a:rPr kumimoji="0" lang="ko-KR" altLang="ko-KR" sz="900" b="0" i="1" u="none" strike="noStrike" cap="none" normalizeH="0" baseline="0" dirty="0">
@@ -24996,6 +25556,20 @@
               </a:rPr>
               <a:t>…</a:t>
             </a:r>
+            <a:r>
+              <a:rPr kumimoji="0" lang="ko-KR" altLang="ko-KR" sz="900" b="0" i="0" u="none" strike="noStrike" cap="none" normalizeH="0" baseline="0" dirty="0">
+                <a:ln>
+                  <a:noFill/>
+                </a:ln>
+                <a:solidFill>
+                  <a:srgbClr val="F8F8F2"/>
+                </a:solidFill>
+                <a:effectLst/>
+                <a:latin typeface="Arial Unicode MS"/>
+                <a:ea typeface="JetBrains Mono"/>
+              </a:rPr>
+              <a:t/>
+            </a:r>
             <a:br>
               <a:rPr kumimoji="0" lang="ko-KR" altLang="ko-KR" sz="900" b="0" i="0" u="none" strike="noStrike" cap="none" normalizeH="0" baseline="0" dirty="0">
                 <a:ln>
@@ -25009,6 +25583,20 @@
                 <a:ea typeface="JetBrains Mono"/>
               </a:rPr>
             </a:br>
+            <a:r>
+              <a:rPr kumimoji="0" lang="ko-KR" altLang="ko-KR" sz="900" b="0" i="0" u="none" strike="noStrike" cap="none" normalizeH="0" baseline="0" dirty="0">
+                <a:ln>
+                  <a:noFill/>
+                </a:ln>
+                <a:solidFill>
+                  <a:srgbClr val="F8F8F2"/>
+                </a:solidFill>
+                <a:effectLst/>
+                <a:latin typeface="Arial Unicode MS"/>
+                <a:ea typeface="JetBrains Mono"/>
+              </a:rPr>
+              <a:t/>
+            </a:r>
             <a:br>
               <a:rPr kumimoji="0" lang="ko-KR" altLang="ko-KR" sz="900" b="0" i="0" u="none" strike="noStrike" cap="none" normalizeH="0" baseline="0" dirty="0">
                 <a:ln>
@@ -25147,6 +25735,20 @@
                 <a:ea typeface="JetBrains Mono"/>
               </a:rPr>
             </a:br>
+            <a:r>
+              <a:rPr kumimoji="0" lang="ko-KR" altLang="ko-KR" sz="900" b="0" i="0" u="none" strike="noStrike" cap="none" normalizeH="0" baseline="0" dirty="0">
+                <a:ln>
+                  <a:noFill/>
+                </a:ln>
+                <a:solidFill>
+                  <a:srgbClr val="F8F8F2"/>
+                </a:solidFill>
+                <a:effectLst/>
+                <a:latin typeface="Arial Unicode MS"/>
+                <a:ea typeface="JetBrains Mono"/>
+              </a:rPr>
+              <a:t/>
+            </a:r>
             <a:br>
               <a:rPr kumimoji="0" lang="ko-KR" altLang="ko-KR" sz="900" b="0" i="0" u="none" strike="noStrike" cap="none" normalizeH="0" baseline="0" dirty="0">
                 <a:ln>
@@ -25201,6 +25803,20 @@
                 <a:ea typeface="JetBrains Mono"/>
               </a:rPr>
             </a:br>
+            <a:r>
+              <a:rPr kumimoji="0" lang="ko-KR" altLang="ko-KR" sz="900" b="0" i="0" u="none" strike="noStrike" cap="none" normalizeH="0" baseline="0" dirty="0">
+                <a:ln>
+                  <a:noFill/>
+                </a:ln>
+                <a:solidFill>
+                  <a:srgbClr val="8AFF80"/>
+                </a:solidFill>
+                <a:effectLst/>
+                <a:latin typeface="Arial Unicode MS"/>
+                <a:ea typeface="JetBrains Mono"/>
+              </a:rPr>
+              <a:t/>
+            </a:r>
             <a:br>
               <a:rPr kumimoji="0" lang="ko-KR" altLang="ko-KR" sz="900" b="0" i="0" u="none" strike="noStrike" cap="none" normalizeH="0" baseline="0" dirty="0">
                 <a:ln>
@@ -25228,6 +25844,20 @@
               </a:rPr>
               <a:t>    </a:t>
             </a:r>
+            <a:r>
+              <a:rPr kumimoji="0" lang="ko-KR" altLang="ko-KR" sz="900" b="0" i="0" u="none" strike="noStrike" cap="none" normalizeH="0" baseline="0" dirty="0">
+                <a:ln>
+                  <a:noFill/>
+                </a:ln>
+                <a:solidFill>
+                  <a:srgbClr val="F8F8F2"/>
+                </a:solidFill>
+                <a:effectLst/>
+                <a:latin typeface="Arial Unicode MS"/>
+                <a:ea typeface="JetBrains Mono"/>
+              </a:rPr>
+              <a:t/>
+            </a:r>
             <a:br>
               <a:rPr kumimoji="0" lang="ko-KR" altLang="ko-KR" sz="900" b="0" i="0" u="none" strike="noStrike" cap="none" normalizeH="0" baseline="0" dirty="0">
                 <a:ln>
@@ -25254,6 +25884,20 @@
                 <a:ea typeface="JetBrains Mono"/>
               </a:rPr>
               <a:t>    </a:t>
+            </a:r>
+            <a:r>
+              <a:rPr kumimoji="0" lang="ko-KR" altLang="ko-KR" sz="900" b="0" i="0" u="none" strike="noStrike" cap="none" normalizeH="0" baseline="0" dirty="0">
+                <a:ln>
+                  <a:noFill/>
+                </a:ln>
+                <a:solidFill>
+                  <a:srgbClr val="8AFF80"/>
+                </a:solidFill>
+                <a:effectLst/>
+                <a:latin typeface="Arial Unicode MS"/>
+                <a:ea typeface="JetBrains Mono"/>
+              </a:rPr>
+              <a:t/>
             </a:r>
             <a:br>
               <a:rPr kumimoji="0" lang="ko-KR" altLang="ko-KR" sz="900" b="0" i="0" u="none" strike="noStrike" cap="none" normalizeH="0" baseline="0" dirty="0">
@@ -25313,7 +25957,7 @@
           <p:cNvPr id="8" name="TextBox 7">
             <a:extLst>
               <a:ext uri="{FF2B5EF4-FFF2-40B4-BE49-F238E27FC236}">
-                <a16:creationId xmlns:a16="http://schemas.microsoft.com/office/drawing/2014/main" id="{5B2C6045-1077-A4BF-E1DB-C556DDE3B063}"/>
+                <a16:creationId xmlns:a16="http://schemas.microsoft.com/office/drawing/2014/main" xmlns="" id="{5B2C6045-1077-A4BF-E1DB-C556DDE3B063}"/>
               </a:ext>
             </a:extLst>
           </p:cNvPr>
@@ -25383,7 +26027,7 @@
           <p:cNvPr id="5" name="그림 4">
             <a:extLst>
               <a:ext uri="{FF2B5EF4-FFF2-40B4-BE49-F238E27FC236}">
-                <a16:creationId xmlns:a16="http://schemas.microsoft.com/office/drawing/2014/main" id="{B42375D4-585A-9697-A1B2-6099B00B9D72}"/>
+                <a16:creationId xmlns:a16="http://schemas.microsoft.com/office/drawing/2014/main" xmlns="" id="{B42375D4-585A-9697-A1B2-6099B00B9D72}"/>
               </a:ext>
             </a:extLst>
           </p:cNvPr>
@@ -25443,7 +26087,7 @@
           <p:cNvPr id="4" name="그림 3">
             <a:extLst>
               <a:ext uri="{FF2B5EF4-FFF2-40B4-BE49-F238E27FC236}">
-                <a16:creationId xmlns:a16="http://schemas.microsoft.com/office/drawing/2014/main" id="{DB9C437C-005F-4E99-F38E-1DEE07F1B28F}"/>
+                <a16:creationId xmlns:a16="http://schemas.microsoft.com/office/drawing/2014/main" xmlns="" id="{DB9C437C-005F-4E99-F38E-1DEE07F1B28F}"/>
               </a:ext>
             </a:extLst>
           </p:cNvPr>
@@ -25473,7 +26117,7 @@
           <p:cNvPr id="5" name="직선 화살표 연결선 4">
             <a:extLst>
               <a:ext uri="{FF2B5EF4-FFF2-40B4-BE49-F238E27FC236}">
-                <a16:creationId xmlns:a16="http://schemas.microsoft.com/office/drawing/2014/main" id="{FDF0467E-6D20-0DC6-C910-8E408D1D7586}"/>
+                <a16:creationId xmlns:a16="http://schemas.microsoft.com/office/drawing/2014/main" xmlns="" id="{FDF0467E-6D20-0DC6-C910-8E408D1D7586}"/>
               </a:ext>
             </a:extLst>
           </p:cNvPr>
@@ -25517,7 +26161,7 @@
           <p:cNvPr id="6" name="직사각형 5">
             <a:extLst>
               <a:ext uri="{FF2B5EF4-FFF2-40B4-BE49-F238E27FC236}">
-                <a16:creationId xmlns:a16="http://schemas.microsoft.com/office/drawing/2014/main" id="{4A3C9229-B484-36AA-2C48-E02CC4AB9F63}"/>
+                <a16:creationId xmlns:a16="http://schemas.microsoft.com/office/drawing/2014/main" xmlns="" id="{4A3C9229-B484-36AA-2C48-E02CC4AB9F63}"/>
               </a:ext>
             </a:extLst>
           </p:cNvPr>
@@ -25569,7 +26213,7 @@
           <p:cNvPr id="2" name="Rectangle 1">
             <a:extLst>
               <a:ext uri="{FF2B5EF4-FFF2-40B4-BE49-F238E27FC236}">
-                <a16:creationId xmlns:a16="http://schemas.microsoft.com/office/drawing/2014/main" id="{42BE9BC2-6E0F-6A67-7665-F1A4731D7474}"/>
+                <a16:creationId xmlns:a16="http://schemas.microsoft.com/office/drawing/2014/main" xmlns="" id="{42BE9BC2-6E0F-6A67-7665-F1A4731D7474}"/>
               </a:ext>
             </a:extLst>
           </p:cNvPr>
@@ -26196,6 +26840,20 @@
               </a:rPr>
               <a:t>---</a:t>
             </a:r>
+            <a:r>
+              <a:rPr kumimoji="0" lang="ko-KR" altLang="ko-KR" sz="900" b="0" i="0" u="none" strike="noStrike" cap="none" normalizeH="0" baseline="0" dirty="0">
+                <a:ln>
+                  <a:noFill/>
+                </a:ln>
+                <a:solidFill>
+                  <a:srgbClr val="8AFF80"/>
+                </a:solidFill>
+                <a:effectLst/>
+                <a:latin typeface="Arial Unicode MS"/>
+                <a:ea typeface="JetBrains Mono"/>
+              </a:rPr>
+              <a:t/>
+            </a:r>
             <a:br>
               <a:rPr kumimoji="0" lang="ko-KR" altLang="ko-KR" sz="900" b="0" i="0" u="none" strike="noStrike" cap="none" normalizeH="0" baseline="0" dirty="0">
                 <a:ln>
@@ -26209,6 +26867,20 @@
                 <a:ea typeface="JetBrains Mono"/>
               </a:rPr>
             </a:br>
+            <a:r>
+              <a:rPr kumimoji="0" lang="ko-KR" altLang="ko-KR" sz="900" b="0" i="0" u="none" strike="noStrike" cap="none" normalizeH="0" baseline="0" dirty="0">
+                <a:ln>
+                  <a:noFill/>
+                </a:ln>
+                <a:solidFill>
+                  <a:srgbClr val="8AFF80"/>
+                </a:solidFill>
+                <a:effectLst/>
+                <a:latin typeface="Arial Unicode MS"/>
+                <a:ea typeface="JetBrains Mono"/>
+              </a:rPr>
+              <a:t/>
+            </a:r>
             <a:br>
               <a:rPr kumimoji="0" lang="ko-KR" altLang="ko-KR" sz="900" b="0" i="0" u="none" strike="noStrike" cap="none" normalizeH="0" baseline="0" dirty="0">
                 <a:ln>
@@ -27886,6 +28558,20 @@
                 <a:ea typeface="JetBrains Mono"/>
               </a:rPr>
             </a:br>
+            <a:r>
+              <a:rPr kumimoji="0" lang="ko-KR" altLang="ko-KR" sz="900" b="0" i="0" u="none" strike="noStrike" cap="none" normalizeH="0" baseline="0" dirty="0">
+                <a:ln>
+                  <a:noFill/>
+                </a:ln>
+                <a:solidFill>
+                  <a:srgbClr val="8AFF80"/>
+                </a:solidFill>
+                <a:effectLst/>
+                <a:latin typeface="Arial Unicode MS"/>
+                <a:ea typeface="JetBrains Mono"/>
+              </a:rPr>
+              <a:t/>
+            </a:r>
             <a:br>
               <a:rPr kumimoji="0" lang="ko-KR" altLang="ko-KR" sz="900" b="0" i="0" u="none" strike="noStrike" cap="none" normalizeH="0" baseline="0" dirty="0">
                 <a:ln>
@@ -27899,6 +28585,20 @@
                 <a:ea typeface="JetBrains Mono"/>
               </a:rPr>
             </a:br>
+            <a:r>
+              <a:rPr kumimoji="0" lang="ko-KR" altLang="ko-KR" sz="900" b="0" i="0" u="none" strike="noStrike" cap="none" normalizeH="0" baseline="0" dirty="0">
+                <a:ln>
+                  <a:noFill/>
+                </a:ln>
+                <a:solidFill>
+                  <a:srgbClr val="8AFF80"/>
+                </a:solidFill>
+                <a:effectLst/>
+                <a:latin typeface="Arial Unicode MS"/>
+                <a:ea typeface="JetBrains Mono"/>
+              </a:rPr>
+              <a:t/>
+            </a:r>
             <a:br>
               <a:rPr kumimoji="0" lang="ko-KR" altLang="ko-KR" sz="900" b="0" i="0" u="none" strike="noStrike" cap="none" normalizeH="0" baseline="0" dirty="0">
                 <a:ln>
@@ -27957,7 +28657,7 @@
           <p:cNvPr id="3" name="TextBox 2">
             <a:extLst>
               <a:ext uri="{FF2B5EF4-FFF2-40B4-BE49-F238E27FC236}">
-                <a16:creationId xmlns:a16="http://schemas.microsoft.com/office/drawing/2014/main" id="{C76E3AAD-45C6-EB76-9A53-48C4CEF2570F}"/>
+                <a16:creationId xmlns:a16="http://schemas.microsoft.com/office/drawing/2014/main" xmlns="" id="{C76E3AAD-45C6-EB76-9A53-48C4CEF2570F}"/>
               </a:ext>
             </a:extLst>
           </p:cNvPr>
@@ -28027,7 +28727,7 @@
           <p:cNvPr id="8" name="TextBox 7">
             <a:extLst>
               <a:ext uri="{FF2B5EF4-FFF2-40B4-BE49-F238E27FC236}">
-                <a16:creationId xmlns:a16="http://schemas.microsoft.com/office/drawing/2014/main" id="{98DB151B-8601-BA61-6BBE-BD3E3CFEF58F}"/>
+                <a16:creationId xmlns:a16="http://schemas.microsoft.com/office/drawing/2014/main" xmlns="" id="{98DB151B-8601-BA61-6BBE-BD3E3CFEF58F}"/>
               </a:ext>
             </a:extLst>
           </p:cNvPr>
@@ -28075,7 +28775,7 @@
           <p:cNvPr id="10" name="그림 9">
             <a:extLst>
               <a:ext uri="{FF2B5EF4-FFF2-40B4-BE49-F238E27FC236}">
-                <a16:creationId xmlns:a16="http://schemas.microsoft.com/office/drawing/2014/main" id="{788E741F-1E5F-AF84-901F-B38781682BCA}"/>
+                <a16:creationId xmlns:a16="http://schemas.microsoft.com/office/drawing/2014/main" xmlns="" id="{788E741F-1E5F-AF84-901F-B38781682BCA}"/>
               </a:ext>
             </a:extLst>
           </p:cNvPr>
@@ -28135,7 +28835,7 @@
           <p:cNvPr id="5" name="그림 4">
             <a:extLst>
               <a:ext uri="{FF2B5EF4-FFF2-40B4-BE49-F238E27FC236}">
-                <a16:creationId xmlns:a16="http://schemas.microsoft.com/office/drawing/2014/main" id="{BF09A84E-BAC6-6BDF-02D5-7EC84AEBC71D}"/>
+                <a16:creationId xmlns:a16="http://schemas.microsoft.com/office/drawing/2014/main" xmlns="" id="{BF09A84E-BAC6-6BDF-02D5-7EC84AEBC71D}"/>
               </a:ext>
             </a:extLst>
           </p:cNvPr>
@@ -28165,7 +28865,7 @@
           <p:cNvPr id="6" name="TextBox 5">
             <a:extLst>
               <a:ext uri="{FF2B5EF4-FFF2-40B4-BE49-F238E27FC236}">
-                <a16:creationId xmlns:a16="http://schemas.microsoft.com/office/drawing/2014/main" id="{5F6708EC-6DA7-2F2E-E6CC-5AE6BF4F3EBD}"/>
+                <a16:creationId xmlns:a16="http://schemas.microsoft.com/office/drawing/2014/main" xmlns="" id="{5F6708EC-6DA7-2F2E-E6CC-5AE6BF4F3EBD}"/>
               </a:ext>
             </a:extLst>
           </p:cNvPr>
@@ -28242,7 +28942,7 @@
           <p:cNvPr id="6" name="TextBox 5">
             <a:extLst>
               <a:ext uri="{FF2B5EF4-FFF2-40B4-BE49-F238E27FC236}">
-                <a16:creationId xmlns:a16="http://schemas.microsoft.com/office/drawing/2014/main" id="{5F6708EC-6DA7-2F2E-E6CC-5AE6BF4F3EBD}"/>
+                <a16:creationId xmlns:a16="http://schemas.microsoft.com/office/drawing/2014/main" xmlns="" id="{5F6708EC-6DA7-2F2E-E6CC-5AE6BF4F3EBD}"/>
               </a:ext>
             </a:extLst>
           </p:cNvPr>
@@ -28289,7 +28989,7 @@
           <p:cNvPr id="3" name="그림 2">
             <a:extLst>
               <a:ext uri="{FF2B5EF4-FFF2-40B4-BE49-F238E27FC236}">
-                <a16:creationId xmlns:a16="http://schemas.microsoft.com/office/drawing/2014/main" id="{631EFFCF-82B7-A9B7-DF01-FFD9DBFC7B6B}"/>
+                <a16:creationId xmlns:a16="http://schemas.microsoft.com/office/drawing/2014/main" xmlns="" id="{631EFFCF-82B7-A9B7-DF01-FFD9DBFC7B6B}"/>
               </a:ext>
             </a:extLst>
           </p:cNvPr>
@@ -28548,7 +29248,7 @@
           <p:cNvPr id="12" name="TextBox 11">
             <a:extLst>
               <a:ext uri="{FF2B5EF4-FFF2-40B4-BE49-F238E27FC236}">
-                <a16:creationId xmlns:a16="http://schemas.microsoft.com/office/drawing/2014/main" id="{C76E3AAD-45C6-EB76-9A53-48C4CEF2570F}"/>
+                <a16:creationId xmlns:a16="http://schemas.microsoft.com/office/drawing/2014/main" xmlns="" id="{C76E3AAD-45C6-EB76-9A53-48C4CEF2570F}"/>
               </a:ext>
             </a:extLst>
           </p:cNvPr>
@@ -28584,7 +29284,7 @@
           <p:cNvPr id="17" name="TextBox 16">
             <a:extLst>
               <a:ext uri="{FF2B5EF4-FFF2-40B4-BE49-F238E27FC236}">
-                <a16:creationId xmlns:a16="http://schemas.microsoft.com/office/drawing/2014/main" id="{C76E3AAD-45C6-EB76-9A53-48C4CEF2570F}"/>
+                <a16:creationId xmlns:a16="http://schemas.microsoft.com/office/drawing/2014/main" xmlns="" id="{C76E3AAD-45C6-EB76-9A53-48C4CEF2570F}"/>
               </a:ext>
             </a:extLst>
           </p:cNvPr>
@@ -28625,7 +29325,7 @@
           <p:cNvPr id="24" name="TextBox 23">
             <a:extLst>
               <a:ext uri="{FF2B5EF4-FFF2-40B4-BE49-F238E27FC236}">
-                <a16:creationId xmlns:a16="http://schemas.microsoft.com/office/drawing/2014/main" id="{C76E3AAD-45C6-EB76-9A53-48C4CEF2570F}"/>
+                <a16:creationId xmlns:a16="http://schemas.microsoft.com/office/drawing/2014/main" xmlns="" id="{C76E3AAD-45C6-EB76-9A53-48C4CEF2570F}"/>
               </a:ext>
             </a:extLst>
           </p:cNvPr>
@@ -28634,8 +29334,8 @@
         </p:nvSpPr>
         <p:spPr>
           <a:xfrm>
-            <a:off x="7054084" y="1722998"/>
-            <a:ext cx="1861022" cy="369332"/>
+            <a:off x="7196958" y="1722998"/>
+            <a:ext cx="4707407" cy="369332"/>
           </a:xfrm>
           <a:prstGeom prst="rect">
             <a:avLst/>
@@ -28643,11 +29343,12 @@
           <a:noFill/>
         </p:spPr>
         <p:txBody>
-          <a:bodyPr wrap="none" rtlCol="0">
+          <a:bodyPr wrap="square" rtlCol="0">
             <a:spAutoFit/>
           </a:bodyPr>
           <a:lstStyle/>
           <a:p>
+            <a:pPr algn="ctr"/>
             <a:r>
               <a:rPr lang="en-US" altLang="ko-KR" dirty="0"/>
               <a:t>Monitoring Tool</a:t>
@@ -28661,7 +29362,7 @@
           <p:cNvPr id="44" name="TextBox 43">
             <a:extLst>
               <a:ext uri="{FF2B5EF4-FFF2-40B4-BE49-F238E27FC236}">
-                <a16:creationId xmlns:a16="http://schemas.microsoft.com/office/drawing/2014/main" id="{C76E3AAD-45C6-EB76-9A53-48C4CEF2570F}"/>
+                <a16:creationId xmlns:a16="http://schemas.microsoft.com/office/drawing/2014/main" xmlns="" id="{C76E3AAD-45C6-EB76-9A53-48C4CEF2570F}"/>
               </a:ext>
             </a:extLst>
           </p:cNvPr>
@@ -28730,7 +29431,7 @@
           <p:cNvPr id="47" name="TextBox 46">
             <a:extLst>
               <a:ext uri="{FF2B5EF4-FFF2-40B4-BE49-F238E27FC236}">
-                <a16:creationId xmlns:a16="http://schemas.microsoft.com/office/drawing/2014/main" id="{C76E3AAD-45C6-EB76-9A53-48C4CEF2570F}"/>
+                <a16:creationId xmlns:a16="http://schemas.microsoft.com/office/drawing/2014/main" xmlns="" id="{C76E3AAD-45C6-EB76-9A53-48C4CEF2570F}"/>
               </a:ext>
             </a:extLst>
           </p:cNvPr>
@@ -28802,7 +29503,7 @@
           <p:cNvPr id="59" name="TextBox 58">
             <a:extLst>
               <a:ext uri="{FF2B5EF4-FFF2-40B4-BE49-F238E27FC236}">
-                <a16:creationId xmlns:a16="http://schemas.microsoft.com/office/drawing/2014/main" id="{C76E3AAD-45C6-EB76-9A53-48C4CEF2570F}"/>
+                <a16:creationId xmlns:a16="http://schemas.microsoft.com/office/drawing/2014/main" xmlns="" id="{C76E3AAD-45C6-EB76-9A53-48C4CEF2570F}"/>
               </a:ext>
             </a:extLst>
           </p:cNvPr>
@@ -28837,7 +29538,7 @@
           <p:cNvPr id="30" name="TextBox 29">
             <a:extLst>
               <a:ext uri="{FF2B5EF4-FFF2-40B4-BE49-F238E27FC236}">
-                <a16:creationId xmlns:a16="http://schemas.microsoft.com/office/drawing/2014/main" id="{C76E3AAD-45C6-EB76-9A53-48C4CEF2570F}"/>
+                <a16:creationId xmlns:a16="http://schemas.microsoft.com/office/drawing/2014/main" xmlns="" id="{C76E3AAD-45C6-EB76-9A53-48C4CEF2570F}"/>
               </a:ext>
             </a:extLst>
           </p:cNvPr>
@@ -29287,7 +29988,7 @@
         </p:nvSpPr>
         <p:spPr>
           <a:xfrm>
-            <a:off x="6931047" y="2219325"/>
+            <a:off x="7073922" y="2219325"/>
             <a:ext cx="2028825" cy="2724150"/>
           </a:xfrm>
           <a:prstGeom prst="rect">
@@ -29330,8 +30031,8 @@
         </p:nvSpPr>
         <p:spPr>
           <a:xfrm>
-            <a:off x="7141633" y="2438400"/>
-            <a:ext cx="1685925" cy="847725"/>
+            <a:off x="7284508" y="2438400"/>
+            <a:ext cx="1685925" cy="627861"/>
           </a:xfrm>
           <a:prstGeom prst="roundRect">
             <a:avLst/>
@@ -29380,8 +30081,8 @@
         </p:nvSpPr>
         <p:spPr>
           <a:xfrm>
-            <a:off x="7141633" y="3729037"/>
-            <a:ext cx="1685925" cy="847725"/>
+            <a:off x="7284508" y="3235725"/>
+            <a:ext cx="1685925" cy="627861"/>
           </a:xfrm>
           <a:prstGeom prst="roundRect">
             <a:avLst/>
@@ -29448,7 +30149,7 @@
         </p:blipFill>
         <p:spPr bwMode="auto">
           <a:xfrm>
-            <a:off x="7109165" y="3709987"/>
+            <a:off x="7252040" y="3216675"/>
             <a:ext cx="366714" cy="366714"/>
           </a:xfrm>
           <a:prstGeom prst="rect">
@@ -29489,7 +30190,7 @@
         </p:blipFill>
         <p:spPr bwMode="auto">
           <a:xfrm>
-            <a:off x="7009322" y="2460543"/>
+            <a:off x="7152197" y="2460543"/>
             <a:ext cx="566400" cy="275513"/>
           </a:xfrm>
           <a:prstGeom prst="rect">
@@ -29690,7 +30391,7 @@
             <p:cNvPr id="49" name="TextBox 48">
               <a:extLst>
                 <a:ext uri="{FF2B5EF4-FFF2-40B4-BE49-F238E27FC236}">
-                  <a16:creationId xmlns:a16="http://schemas.microsoft.com/office/drawing/2014/main" id="{C76E3AAD-45C6-EB76-9A53-48C4CEF2570F}"/>
+                  <a16:creationId xmlns:a16="http://schemas.microsoft.com/office/drawing/2014/main" xmlns="" id="{C76E3AAD-45C6-EB76-9A53-48C4CEF2570F}"/>
                 </a:ext>
               </a:extLst>
             </p:cNvPr>
@@ -29730,7 +30431,7 @@
         </p:nvSpPr>
         <p:spPr>
           <a:xfrm>
-            <a:off x="10046992" y="2438399"/>
+            <a:off x="10046992" y="3128993"/>
             <a:ext cx="1685925" cy="847725"/>
           </a:xfrm>
           <a:prstGeom prst="roundRect">
@@ -29795,7 +30496,7 @@
         </p:blipFill>
         <p:spPr bwMode="auto">
           <a:xfrm>
-            <a:off x="10046992" y="2446491"/>
+            <a:off x="10034454" y="3144102"/>
             <a:ext cx="289565" cy="289565"/>
           </a:xfrm>
           <a:prstGeom prst="rect">
@@ -29813,42 +30514,6 @@
           </a:extLst>
         </p:spPr>
       </p:pic>
-      <p:cxnSp>
-        <p:nvCxnSpPr>
-          <p:cNvPr id="1084" name="직선 화살표 연결선 1083"/>
-          <p:cNvCxnSpPr>
-            <a:stCxn id="25" idx="3"/>
-            <a:endCxn id="51" idx="1"/>
-          </p:cNvCxnSpPr>
-          <p:nvPr/>
-        </p:nvCxnSpPr>
-        <p:spPr>
-          <a:xfrm flipV="1">
-            <a:off x="8827558" y="2862262"/>
-            <a:ext cx="1219434" cy="1"/>
-          </a:xfrm>
-          <a:prstGeom prst="straightConnector1">
-            <a:avLst/>
-          </a:prstGeom>
-          <a:ln>
-            <a:tailEnd type="triangle"/>
-          </a:ln>
-        </p:spPr>
-        <p:style>
-          <a:lnRef idx="2">
-            <a:schemeClr val="accent1"/>
-          </a:lnRef>
-          <a:fillRef idx="0">
-            <a:schemeClr val="accent1"/>
-          </a:fillRef>
-          <a:effectRef idx="1">
-            <a:schemeClr val="accent1"/>
-          </a:effectRef>
-          <a:fontRef idx="minor">
-            <a:schemeClr val="tx1"/>
-          </a:fontRef>
-        </p:style>
-      </p:cxnSp>
       <p:cxnSp>
         <p:nvCxnSpPr>
           <p:cNvPr id="19" name="꺾인 연결선 18"/>
@@ -30490,18 +31155,20 @@
           <p:cNvPr id="98" name="꺾인 연결선 97"/>
           <p:cNvCxnSpPr>
             <a:cxnSpLocks/>
-            <a:stCxn id="18" idx="3"/>
+            <a:stCxn id="79" idx="3"/>
             <a:endCxn id="26" idx="1"/>
           </p:cNvCxnSpPr>
           <p:nvPr/>
         </p:nvCxnSpPr>
         <p:spPr>
           <a:xfrm>
-            <a:off x="6457950" y="3508242"/>
-            <a:ext cx="683683" cy="644658"/>
+            <a:off x="6351616" y="3505123"/>
+            <a:ext cx="932892" cy="44533"/>
           </a:xfrm>
           <a:prstGeom prst="bentConnector3">
-            <a:avLst/>
+            <a:avLst>
+              <a:gd name="adj1" fmla="val 59189"/>
+            </a:avLst>
           </a:prstGeom>
           <a:ln>
             <a:solidFill>
@@ -30525,86 +31192,12 @@
           </a:fontRef>
         </p:style>
       </p:cxnSp>
-      <p:cxnSp>
-        <p:nvCxnSpPr>
-          <p:cNvPr id="100" name="꺾인 연결선 99"/>
-          <p:cNvCxnSpPr>
-            <a:stCxn id="26" idx="3"/>
-            <a:endCxn id="51" idx="1"/>
-          </p:cNvCxnSpPr>
-          <p:nvPr/>
-        </p:nvCxnSpPr>
-        <p:spPr>
-          <a:xfrm flipV="1">
-            <a:off x="8827558" y="2862262"/>
-            <a:ext cx="1219434" cy="1290638"/>
-          </a:xfrm>
-          <a:prstGeom prst="bentConnector3">
-            <a:avLst/>
-          </a:prstGeom>
-          <a:ln>
-            <a:solidFill>
-              <a:srgbClr val="FFC000"/>
-            </a:solidFill>
-            <a:tailEnd type="triangle"/>
-          </a:ln>
-        </p:spPr>
-        <p:style>
-          <a:lnRef idx="2">
-            <a:schemeClr val="accent1"/>
-          </a:lnRef>
-          <a:fillRef idx="0">
-            <a:schemeClr val="accent1"/>
-          </a:fillRef>
-          <a:effectRef idx="1">
-            <a:schemeClr val="accent1"/>
-          </a:effectRef>
-          <a:fontRef idx="minor">
-            <a:schemeClr val="tx1"/>
-          </a:fontRef>
-        </p:style>
-      </p:cxnSp>
-      <p:cxnSp>
-        <p:nvCxnSpPr>
-          <p:cNvPr id="109" name="직선 화살표 연결선 108"/>
-          <p:cNvCxnSpPr>
-            <a:endCxn id="25" idx="1"/>
-          </p:cNvCxnSpPr>
-          <p:nvPr/>
-        </p:nvCxnSpPr>
-        <p:spPr>
-          <a:xfrm>
-            <a:off x="6191387" y="2862263"/>
-            <a:ext cx="950246" cy="0"/>
-          </a:xfrm>
-          <a:prstGeom prst="straightConnector1">
-            <a:avLst/>
-          </a:prstGeom>
-          <a:ln>
-            <a:tailEnd type="triangle"/>
-          </a:ln>
-        </p:spPr>
-        <p:style>
-          <a:lnRef idx="2">
-            <a:schemeClr val="accent1"/>
-          </a:lnRef>
-          <a:fillRef idx="0">
-            <a:schemeClr val="accent1"/>
-          </a:fillRef>
-          <a:effectRef idx="1">
-            <a:schemeClr val="accent1"/>
-          </a:effectRef>
-          <a:fontRef idx="minor">
-            <a:schemeClr val="tx1"/>
-          </a:fontRef>
-        </p:style>
-      </p:cxnSp>
       <p:sp>
         <p:nvSpPr>
           <p:cNvPr id="29" name="사각형: 둥근 모서리 28">
             <a:extLst>
               <a:ext uri="{FF2B5EF4-FFF2-40B4-BE49-F238E27FC236}">
-                <a16:creationId xmlns:a16="http://schemas.microsoft.com/office/drawing/2014/main" id="{B3822D50-9B76-A18F-FE7F-5592FB3298AC}"/>
+                <a16:creationId xmlns:a16="http://schemas.microsoft.com/office/drawing/2014/main" xmlns="" id="{B3822D50-9B76-A18F-FE7F-5592FB3298AC}"/>
               </a:ext>
             </a:extLst>
           </p:cNvPr>
@@ -30662,7 +31255,7 @@
           <p:cNvPr id="70" name="사각형: 둥근 모서리 69">
             <a:extLst>
               <a:ext uri="{FF2B5EF4-FFF2-40B4-BE49-F238E27FC236}">
-                <a16:creationId xmlns:a16="http://schemas.microsoft.com/office/drawing/2014/main" id="{F1000F18-311B-F47B-8A0C-3C9EB6803D77}"/>
+                <a16:creationId xmlns:a16="http://schemas.microsoft.com/office/drawing/2014/main" xmlns="" id="{F1000F18-311B-F47B-8A0C-3C9EB6803D77}"/>
               </a:ext>
             </a:extLst>
           </p:cNvPr>
@@ -30720,7 +31313,7 @@
           <p:cNvPr id="21" name="TextBox 20">
             <a:extLst>
               <a:ext uri="{FF2B5EF4-FFF2-40B4-BE49-F238E27FC236}">
-                <a16:creationId xmlns:a16="http://schemas.microsoft.com/office/drawing/2014/main" id="{0055AAB4-36E2-B60A-40C7-77AC38100932}"/>
+                <a16:creationId xmlns:a16="http://schemas.microsoft.com/office/drawing/2014/main" xmlns="" id="{0055AAB4-36E2-B60A-40C7-77AC38100932}"/>
               </a:ext>
             </a:extLst>
           </p:cNvPr>
@@ -30771,7 +31364,7 @@
           <p:cNvPr id="22" name="TextBox 21">
             <a:extLst>
               <a:ext uri="{FF2B5EF4-FFF2-40B4-BE49-F238E27FC236}">
-                <a16:creationId xmlns:a16="http://schemas.microsoft.com/office/drawing/2014/main" id="{08AFCAC3-C8F5-748A-B9CA-B01E01747540}"/>
+                <a16:creationId xmlns:a16="http://schemas.microsoft.com/office/drawing/2014/main" xmlns="" id="{08AFCAC3-C8F5-748A-B9CA-B01E01747540}"/>
               </a:ext>
             </a:extLst>
           </p:cNvPr>
@@ -30822,7 +31415,7 @@
           <p:cNvPr id="27" name="TextBox 26">
             <a:extLst>
               <a:ext uri="{FF2B5EF4-FFF2-40B4-BE49-F238E27FC236}">
-                <a16:creationId xmlns:a16="http://schemas.microsoft.com/office/drawing/2014/main" id="{F10533A2-E24C-9562-E30B-C803BB6884CB}"/>
+                <a16:creationId xmlns:a16="http://schemas.microsoft.com/office/drawing/2014/main" xmlns="" id="{F10533A2-E24C-9562-E30B-C803BB6884CB}"/>
               </a:ext>
             </a:extLst>
           </p:cNvPr>
@@ -30873,7 +31466,7 @@
           <p:cNvPr id="76" name="그룹 75">
             <a:extLst>
               <a:ext uri="{FF2B5EF4-FFF2-40B4-BE49-F238E27FC236}">
-                <a16:creationId xmlns:a16="http://schemas.microsoft.com/office/drawing/2014/main" id="{313D5DC3-9884-62D1-5A48-ADCCCFF4B822}"/>
+                <a16:creationId xmlns:a16="http://schemas.microsoft.com/office/drawing/2014/main" xmlns="" id="{313D5DC3-9884-62D1-5A48-ADCCCFF4B822}"/>
               </a:ext>
             </a:extLst>
           </p:cNvPr>
@@ -30893,7 +31486,7 @@
             <p:cNvPr id="78" name="TextBox 77">
               <a:extLst>
                 <a:ext uri="{FF2B5EF4-FFF2-40B4-BE49-F238E27FC236}">
-                  <a16:creationId xmlns:a16="http://schemas.microsoft.com/office/drawing/2014/main" id="{F9C4339C-03F6-6FD0-3937-E39C4602C1A4}"/>
+                  <a16:creationId xmlns:a16="http://schemas.microsoft.com/office/drawing/2014/main" xmlns="" id="{F9C4339C-03F6-6FD0-3937-E39C4602C1A4}"/>
                 </a:ext>
               </a:extLst>
             </p:cNvPr>
@@ -30944,7 +31537,7 @@
             <p:cNvPr id="79" name="TextBox 78">
               <a:extLst>
                 <a:ext uri="{FF2B5EF4-FFF2-40B4-BE49-F238E27FC236}">
-                  <a16:creationId xmlns:a16="http://schemas.microsoft.com/office/drawing/2014/main" id="{8E33C58C-1036-88C4-895B-788879DB1BA9}"/>
+                  <a16:creationId xmlns:a16="http://schemas.microsoft.com/office/drawing/2014/main" xmlns="" id="{8E33C58C-1036-88C4-895B-788879DB1BA9}"/>
                 </a:ext>
               </a:extLst>
             </p:cNvPr>
@@ -30995,7 +31588,7 @@
             <p:cNvPr id="80" name="TextBox 79">
               <a:extLst>
                 <a:ext uri="{FF2B5EF4-FFF2-40B4-BE49-F238E27FC236}">
-                  <a16:creationId xmlns:a16="http://schemas.microsoft.com/office/drawing/2014/main" id="{302DA6BE-206C-D7FD-5556-422A58CA62FA}"/>
+                  <a16:creationId xmlns:a16="http://schemas.microsoft.com/office/drawing/2014/main" xmlns="" id="{302DA6BE-206C-D7FD-5556-422A58CA62FA}"/>
                 </a:ext>
               </a:extLst>
             </p:cNvPr>
@@ -31047,7 +31640,7 @@
           <p:cNvPr id="88" name="직선 화살표 연결선 87">
             <a:extLst>
               <a:ext uri="{FF2B5EF4-FFF2-40B4-BE49-F238E27FC236}">
-                <a16:creationId xmlns:a16="http://schemas.microsoft.com/office/drawing/2014/main" id="{587E6539-65E7-C097-B52A-809CE148FC08}"/>
+                <a16:creationId xmlns:a16="http://schemas.microsoft.com/office/drawing/2014/main" xmlns="" id="{587E6539-65E7-C097-B52A-809CE148FC08}"/>
               </a:ext>
             </a:extLst>
           </p:cNvPr>
@@ -31092,7 +31685,7 @@
           <p:cNvPr id="89" name="직선 화살표 연결선 88">
             <a:extLst>
               <a:ext uri="{FF2B5EF4-FFF2-40B4-BE49-F238E27FC236}">
-                <a16:creationId xmlns:a16="http://schemas.microsoft.com/office/drawing/2014/main" id="{B45276A8-B898-E9F3-A0D8-D701BB2C75D9}"/>
+                <a16:creationId xmlns:a16="http://schemas.microsoft.com/office/drawing/2014/main" xmlns="" id="{B45276A8-B898-E9F3-A0D8-D701BB2C75D9}"/>
               </a:ext>
             </a:extLst>
           </p:cNvPr>
@@ -31138,7 +31731,7 @@
           <p:cNvPr id="95" name="직선 화살표 연결선 94">
             <a:extLst>
               <a:ext uri="{FF2B5EF4-FFF2-40B4-BE49-F238E27FC236}">
-                <a16:creationId xmlns:a16="http://schemas.microsoft.com/office/drawing/2014/main" id="{EDE893D4-D084-9D36-150C-AD9D513C33E4}"/>
+                <a16:creationId xmlns:a16="http://schemas.microsoft.com/office/drawing/2014/main" xmlns="" id="{EDE893D4-D084-9D36-150C-AD9D513C33E4}"/>
               </a:ext>
             </a:extLst>
           </p:cNvPr>
@@ -31179,6 +31772,289 @@
           </a:fontRef>
         </p:style>
       </p:cxnSp>
+      <p:sp>
+        <p:nvSpPr>
+          <p:cNvPr id="74" name="모서리가 둥근 직사각형 73"/>
+          <p:cNvSpPr/>
+          <p:nvPr/>
+        </p:nvSpPr>
+        <p:spPr>
+          <a:xfrm>
+            <a:off x="7284508" y="4018550"/>
+            <a:ext cx="1685925" cy="627861"/>
+          </a:xfrm>
+          <a:prstGeom prst="roundRect">
+            <a:avLst/>
+          </a:prstGeom>
+          <a:solidFill>
+            <a:srgbClr val="FFC000"/>
+          </a:solidFill>
+          <a:ln>
+            <a:noFill/>
+          </a:ln>
+        </p:spPr>
+        <p:style>
+          <a:lnRef idx="2">
+            <a:schemeClr val="accent1">
+              <a:shade val="50000"/>
+            </a:schemeClr>
+          </a:lnRef>
+          <a:fillRef idx="1">
+            <a:schemeClr val="accent1"/>
+          </a:fillRef>
+          <a:effectRef idx="0">
+            <a:schemeClr val="accent1"/>
+          </a:effectRef>
+          <a:fontRef idx="minor">
+            <a:schemeClr val="lt1"/>
+          </a:fontRef>
+        </p:style>
+        <p:txBody>
+          <a:bodyPr rtlCol="0" anchor="ctr"/>
+          <a:lstStyle/>
+          <a:p>
+            <a:pPr algn="ctr"/>
+            <a:r>
+              <a:rPr lang="en-US" altLang="ko-KR" sz="1300" dirty="0" smtClean="0"/>
+              <a:t>Loki</a:t>
+            </a:r>
+            <a:endParaRPr lang="ko-KR" altLang="en-US" sz="1300" dirty="0"/>
+          </a:p>
+        </p:txBody>
+      </p:sp>
+      <p:cxnSp>
+        <p:nvCxnSpPr>
+          <p:cNvPr id="67" name="꺾인 연결선 66"/>
+          <p:cNvCxnSpPr>
+            <a:stCxn id="51" idx="1"/>
+            <a:endCxn id="25" idx="3"/>
+          </p:cNvCxnSpPr>
+          <p:nvPr/>
+        </p:nvCxnSpPr>
+        <p:spPr>
+          <a:xfrm rot="10800000">
+            <a:off x="8970434" y="2752332"/>
+            <a:ext cx="1076559" cy="800525"/>
+          </a:xfrm>
+          <a:prstGeom prst="bentConnector3">
+            <a:avLst/>
+          </a:prstGeom>
+          <a:ln>
+            <a:tailEnd type="triangle"/>
+          </a:ln>
+        </p:spPr>
+        <p:style>
+          <a:lnRef idx="2">
+            <a:schemeClr val="accent1"/>
+          </a:lnRef>
+          <a:fillRef idx="0">
+            <a:schemeClr val="accent1"/>
+          </a:fillRef>
+          <a:effectRef idx="1">
+            <a:schemeClr val="accent1"/>
+          </a:effectRef>
+          <a:fontRef idx="minor">
+            <a:schemeClr val="tx1"/>
+          </a:fontRef>
+        </p:style>
+      </p:cxnSp>
+      <p:cxnSp>
+        <p:nvCxnSpPr>
+          <p:cNvPr id="72" name="꺾인 연결선 71"/>
+          <p:cNvCxnSpPr>
+            <a:endCxn id="26" idx="3"/>
+          </p:cNvCxnSpPr>
+          <p:nvPr/>
+        </p:nvCxnSpPr>
+        <p:spPr>
+          <a:xfrm rot="10800000">
+            <a:off x="8970433" y="3549656"/>
+            <a:ext cx="1219434" cy="9896"/>
+          </a:xfrm>
+          <a:prstGeom prst="bentConnector3">
+            <a:avLst/>
+          </a:prstGeom>
+          <a:ln>
+            <a:solidFill>
+              <a:srgbClr val="FFC000"/>
+            </a:solidFill>
+            <a:tailEnd type="triangle"/>
+          </a:ln>
+        </p:spPr>
+        <p:style>
+          <a:lnRef idx="2">
+            <a:schemeClr val="accent1"/>
+          </a:lnRef>
+          <a:fillRef idx="0">
+            <a:schemeClr val="accent1"/>
+          </a:fillRef>
+          <a:effectRef idx="1">
+            <a:schemeClr val="accent1"/>
+          </a:effectRef>
+          <a:fontRef idx="minor">
+            <a:schemeClr val="tx1"/>
+          </a:fontRef>
+        </p:style>
+      </p:cxnSp>
+      <p:cxnSp>
+        <p:nvCxnSpPr>
+          <p:cNvPr id="82" name="꺾인 연결선 81"/>
+          <p:cNvCxnSpPr>
+            <a:stCxn id="51" idx="1"/>
+            <a:endCxn id="74" idx="3"/>
+          </p:cNvCxnSpPr>
+          <p:nvPr/>
+        </p:nvCxnSpPr>
+        <p:spPr>
+          <a:xfrm rot="10800000" flipV="1">
+            <a:off x="8970434" y="3552855"/>
+            <a:ext cx="1076559" cy="779625"/>
+          </a:xfrm>
+          <a:prstGeom prst="bentConnector3">
+            <a:avLst/>
+          </a:prstGeom>
+          <a:ln>
+            <a:solidFill>
+              <a:srgbClr val="FF0000"/>
+            </a:solidFill>
+            <a:tailEnd type="triangle"/>
+          </a:ln>
+        </p:spPr>
+        <p:style>
+          <a:lnRef idx="2">
+            <a:schemeClr val="accent1"/>
+          </a:lnRef>
+          <a:fillRef idx="0">
+            <a:schemeClr val="accent1"/>
+          </a:fillRef>
+          <a:effectRef idx="1">
+            <a:schemeClr val="accent1"/>
+          </a:effectRef>
+          <a:fontRef idx="minor">
+            <a:schemeClr val="tx1"/>
+          </a:fontRef>
+        </p:style>
+      </p:cxnSp>
+      <p:cxnSp>
+        <p:nvCxnSpPr>
+          <p:cNvPr id="99" name="꺾인 연결선 98"/>
+          <p:cNvCxnSpPr>
+            <a:stCxn id="78" idx="3"/>
+            <a:endCxn id="25" idx="1"/>
+          </p:cNvCxnSpPr>
+          <p:nvPr/>
+        </p:nvCxnSpPr>
+        <p:spPr>
+          <a:xfrm flipV="1">
+            <a:off x="6350187" y="2752331"/>
+            <a:ext cx="934321" cy="161302"/>
+          </a:xfrm>
+          <a:prstGeom prst="bentConnector3">
+            <a:avLst>
+              <a:gd name="adj1" fmla="val 58156"/>
+            </a:avLst>
+          </a:prstGeom>
+          <a:ln>
+            <a:tailEnd type="triangle"/>
+          </a:ln>
+        </p:spPr>
+        <p:style>
+          <a:lnRef idx="2">
+            <a:schemeClr val="accent1"/>
+          </a:lnRef>
+          <a:fillRef idx="0">
+            <a:schemeClr val="accent1"/>
+          </a:fillRef>
+          <a:effectRef idx="1">
+            <a:schemeClr val="accent1"/>
+          </a:effectRef>
+          <a:fontRef idx="minor">
+            <a:schemeClr val="tx1"/>
+          </a:fontRef>
+        </p:style>
+      </p:cxnSp>
+      <p:cxnSp>
+        <p:nvCxnSpPr>
+          <p:cNvPr id="103" name="꺾인 연결선 102"/>
+          <p:cNvCxnSpPr>
+            <a:stCxn id="80" idx="3"/>
+            <a:endCxn id="74" idx="1"/>
+          </p:cNvCxnSpPr>
+          <p:nvPr/>
+        </p:nvCxnSpPr>
+        <p:spPr>
+          <a:xfrm>
+            <a:off x="6351616" y="4096613"/>
+            <a:ext cx="932892" cy="235868"/>
+          </a:xfrm>
+          <a:prstGeom prst="bentConnector3">
+            <a:avLst>
+              <a:gd name="adj1" fmla="val 59189"/>
+            </a:avLst>
+          </a:prstGeom>
+          <a:ln>
+            <a:solidFill>
+              <a:srgbClr val="FF0000"/>
+            </a:solidFill>
+            <a:tailEnd type="triangle"/>
+          </a:ln>
+        </p:spPr>
+        <p:style>
+          <a:lnRef idx="2">
+            <a:schemeClr val="accent1"/>
+          </a:lnRef>
+          <a:fillRef idx="0">
+            <a:schemeClr val="accent1"/>
+          </a:fillRef>
+          <a:effectRef idx="1">
+            <a:schemeClr val="accent1"/>
+          </a:effectRef>
+          <a:fontRef idx="minor">
+            <a:schemeClr val="tx1"/>
+          </a:fontRef>
+        </p:style>
+      </p:cxnSp>
+      <p:pic>
+        <p:nvPicPr>
+          <p:cNvPr id="1032" name="Picture 8" descr="Grafana Loki | Grafana Loki documentation"/>
+          <p:cNvPicPr>
+            <a:picLocks noChangeAspect="1" noChangeArrowheads="1"/>
+          </p:cNvPicPr>
+          <p:nvPr/>
+        </p:nvPicPr>
+        <p:blipFill>
+          <a:blip r:embed="rId7" cstate="print">
+            <a:extLst>
+              <a:ext uri="{28A0092B-C50C-407E-A947-70E740481C1C}">
+                <a14:useLocalDpi xmlns:a14="http://schemas.microsoft.com/office/drawing/2010/main" val="0"/>
+              </a:ext>
+            </a:extLst>
+          </a:blip>
+          <a:srcRect/>
+          <a:stretch>
+            <a:fillRect/>
+          </a:stretch>
+        </p:blipFill>
+        <p:spPr bwMode="auto">
+          <a:xfrm>
+            <a:off x="7284507" y="4023219"/>
+            <a:ext cx="285510" cy="285510"/>
+          </a:xfrm>
+          <a:prstGeom prst="rect">
+            <a:avLst/>
+          </a:prstGeom>
+          <a:noFill/>
+          <a:extLst>
+            <a:ext uri="{909E8E84-426E-40DD-AFC4-6F175D3DCCD1}">
+              <a14:hiddenFill xmlns:a14="http://schemas.microsoft.com/office/drawing/2010/main">
+                <a:solidFill>
+                  <a:srgbClr val="FFFFFF"/>
+                </a:solidFill>
+              </a14:hiddenFill>
+            </a:ext>
+          </a:extLst>
+        </p:spPr>
+      </p:pic>
     </p:spTree>
     <p:extLst>
       <p:ext uri="{BB962C8B-B14F-4D97-AF65-F5344CB8AC3E}">
@@ -31214,7 +32090,7 @@
           <p:cNvPr id="3" name="그림 2">
             <a:extLst>
               <a:ext uri="{FF2B5EF4-FFF2-40B4-BE49-F238E27FC236}">
-                <a16:creationId xmlns:a16="http://schemas.microsoft.com/office/drawing/2014/main" id="{69A0FE62-C1F9-90B4-3CDD-748E410C75E4}"/>
+                <a16:creationId xmlns:a16="http://schemas.microsoft.com/office/drawing/2014/main" xmlns="" id="{69A0FE62-C1F9-90B4-3CDD-748E410C75E4}"/>
               </a:ext>
             </a:extLst>
           </p:cNvPr>
@@ -31274,7 +32150,7 @@
           <p:cNvPr id="5" name="그림 4">
             <a:extLst>
               <a:ext uri="{FF2B5EF4-FFF2-40B4-BE49-F238E27FC236}">
-                <a16:creationId xmlns:a16="http://schemas.microsoft.com/office/drawing/2014/main" id="{551183ED-E731-731E-3050-580A0EBFD8E7}"/>
+                <a16:creationId xmlns:a16="http://schemas.microsoft.com/office/drawing/2014/main" xmlns="" id="{551183ED-E731-731E-3050-580A0EBFD8E7}"/>
               </a:ext>
             </a:extLst>
           </p:cNvPr>
@@ -31334,7 +32210,7 @@
           <p:cNvPr id="5" name="그림 4">
             <a:extLst>
               <a:ext uri="{FF2B5EF4-FFF2-40B4-BE49-F238E27FC236}">
-                <a16:creationId xmlns:a16="http://schemas.microsoft.com/office/drawing/2014/main" id="{42E70543-39BB-17B9-DDDD-404000CB9242}"/>
+                <a16:creationId xmlns:a16="http://schemas.microsoft.com/office/drawing/2014/main" xmlns="" id="{42E70543-39BB-17B9-DDDD-404000CB9242}"/>
               </a:ext>
             </a:extLst>
           </p:cNvPr>
@@ -31394,7 +32270,7 @@
           <p:cNvPr id="5" name="그림 4">
             <a:extLst>
               <a:ext uri="{FF2B5EF4-FFF2-40B4-BE49-F238E27FC236}">
-                <a16:creationId xmlns:a16="http://schemas.microsoft.com/office/drawing/2014/main" id="{594BFACA-3CE7-B695-FB22-84B97705A9B2}"/>
+                <a16:creationId xmlns:a16="http://schemas.microsoft.com/office/drawing/2014/main" xmlns="" id="{594BFACA-3CE7-B695-FB22-84B97705A9B2}"/>
               </a:ext>
             </a:extLst>
           </p:cNvPr>
@@ -31454,7 +32330,7 @@
           <p:cNvPr id="3074" name="Picture 2">
             <a:extLst>
               <a:ext uri="{FF2B5EF4-FFF2-40B4-BE49-F238E27FC236}">
-                <a16:creationId xmlns:a16="http://schemas.microsoft.com/office/drawing/2014/main" id="{AFBE8905-3D24-07B9-2607-1F14FEEF1DA5}"/>
+                <a16:creationId xmlns:a16="http://schemas.microsoft.com/office/drawing/2014/main" xmlns="" id="{AFBE8905-3D24-07B9-2607-1F14FEEF1DA5}"/>
               </a:ext>
             </a:extLst>
           </p:cNvPr>
@@ -31531,7 +32407,7 @@
           <p:cNvPr id="5" name="그림 4">
             <a:extLst>
               <a:ext uri="{FF2B5EF4-FFF2-40B4-BE49-F238E27FC236}">
-                <a16:creationId xmlns:a16="http://schemas.microsoft.com/office/drawing/2014/main" id="{B435C393-F58D-6FEC-9D09-4ABB8DDCC0A6}"/>
+                <a16:creationId xmlns:a16="http://schemas.microsoft.com/office/drawing/2014/main" xmlns="" id="{B435C393-F58D-6FEC-9D09-4ABB8DDCC0A6}"/>
               </a:ext>
             </a:extLst>
           </p:cNvPr>
@@ -31561,7 +32437,7 @@
           <p:cNvPr id="6" name="직사각형 5">
             <a:extLst>
               <a:ext uri="{FF2B5EF4-FFF2-40B4-BE49-F238E27FC236}">
-                <a16:creationId xmlns:a16="http://schemas.microsoft.com/office/drawing/2014/main" id="{A1F37DC1-06D0-7BB1-FB12-C42D5756F5B6}"/>
+                <a16:creationId xmlns:a16="http://schemas.microsoft.com/office/drawing/2014/main" xmlns="" id="{A1F37DC1-06D0-7BB1-FB12-C42D5756F5B6}"/>
               </a:ext>
             </a:extLst>
           </p:cNvPr>
@@ -31613,7 +32489,7 @@
           <p:cNvPr id="7" name="그림 6">
             <a:extLst>
               <a:ext uri="{FF2B5EF4-FFF2-40B4-BE49-F238E27FC236}">
-                <a16:creationId xmlns:a16="http://schemas.microsoft.com/office/drawing/2014/main" id="{DA9BF5A1-5EF8-00E8-719E-51A51A162C36}"/>
+                <a16:creationId xmlns:a16="http://schemas.microsoft.com/office/drawing/2014/main" xmlns="" id="{DA9BF5A1-5EF8-00E8-719E-51A51A162C36}"/>
               </a:ext>
             </a:extLst>
           </p:cNvPr>
@@ -31642,7 +32518,7 @@
           <p:cNvPr id="10" name="Rectangle 1">
             <a:extLst>
               <a:ext uri="{FF2B5EF4-FFF2-40B4-BE49-F238E27FC236}">
-                <a16:creationId xmlns:a16="http://schemas.microsoft.com/office/drawing/2014/main" id="{63F12E2A-7B93-9D97-F8CE-734CF2D8FA06}"/>
+                <a16:creationId xmlns:a16="http://schemas.microsoft.com/office/drawing/2014/main" xmlns="" id="{63F12E2A-7B93-9D97-F8CE-734CF2D8FA06}"/>
               </a:ext>
             </a:extLst>
           </p:cNvPr>
@@ -31811,6 +32687,20 @@
               </a:rPr>
               <a:t>models</a:t>
             </a:r>
+            <a:r>
+              <a:rPr kumimoji="0" lang="ko-KR" altLang="ko-KR" sz="900" b="0" i="0" u="none" strike="noStrike" cap="none" normalizeH="0" baseline="0" dirty="0">
+                <a:ln>
+                  <a:noFill/>
+                </a:ln>
+                <a:solidFill>
+                  <a:srgbClr val="BCBEC4"/>
+                </a:solidFill>
+                <a:effectLst/>
+                <a:latin typeface="Arial Unicode MS"/>
+                <a:ea typeface="JetBrains Mono"/>
+              </a:rPr>
+              <a:t/>
+            </a:r>
             <a:br>
               <a:rPr kumimoji="0" lang="ko-KR" altLang="ko-KR" sz="900" b="0" i="0" u="none" strike="noStrike" cap="none" normalizeH="0" baseline="0" dirty="0">
                 <a:ln>
@@ -31824,6 +32714,20 @@
                 <a:ea typeface="JetBrains Mono"/>
               </a:rPr>
             </a:br>
+            <a:r>
+              <a:rPr kumimoji="0" lang="ko-KR" altLang="ko-KR" sz="900" b="0" i="0" u="none" strike="noStrike" cap="none" normalizeH="0" baseline="0" dirty="0">
+                <a:ln>
+                  <a:noFill/>
+                </a:ln>
+                <a:solidFill>
+                  <a:srgbClr val="BCBEC4"/>
+                </a:solidFill>
+                <a:effectLst/>
+                <a:latin typeface="Arial Unicode MS"/>
+                <a:ea typeface="JetBrains Mono"/>
+              </a:rPr>
+              <a:t/>
+            </a:r>
             <a:br>
               <a:rPr kumimoji="0" lang="ko-KR" altLang="ko-KR" sz="900" b="0" i="0" u="none" strike="noStrike" cap="none" normalizeH="0" baseline="0" dirty="0">
                 <a:ln>
@@ -31976,6 +32880,20 @@
                 <a:ea typeface="JetBrains Mono"/>
               </a:rPr>
             </a:br>
+            <a:r>
+              <a:rPr kumimoji="0" lang="ko-KR" altLang="ko-KR" sz="900" b="0" i="0" u="none" strike="noStrike" cap="none" normalizeH="0" baseline="0" dirty="0">
+                <a:ln>
+                  <a:noFill/>
+                </a:ln>
+                <a:solidFill>
+                  <a:srgbClr val="7A7E85"/>
+                </a:solidFill>
+                <a:effectLst/>
+                <a:latin typeface="Arial Unicode MS"/>
+                <a:ea typeface="JetBrains Mono"/>
+              </a:rPr>
+              <a:t/>
+            </a:r>
             <a:br>
               <a:rPr kumimoji="0" lang="ko-KR" altLang="ko-KR" sz="900" b="0" i="0" u="none" strike="noStrike" cap="none" normalizeH="0" baseline="0" dirty="0">
                 <a:ln>
@@ -32947,6 +33865,20 @@
                 <a:ea typeface="JetBrains Mono"/>
               </a:rPr>
             </a:br>
+            <a:r>
+              <a:rPr kumimoji="0" lang="ko-KR" altLang="ko-KR" sz="900" b="0" i="0" u="none" strike="noStrike" cap="none" normalizeH="0" baseline="0" dirty="0">
+                <a:ln>
+                  <a:noFill/>
+                </a:ln>
+                <a:solidFill>
+                  <a:srgbClr val="BCBEC4"/>
+                </a:solidFill>
+                <a:effectLst/>
+                <a:latin typeface="Arial Unicode MS"/>
+                <a:ea typeface="JetBrains Mono"/>
+              </a:rPr>
+              <a:t/>
+            </a:r>
             <a:br>
               <a:rPr kumimoji="0" lang="ko-KR" altLang="ko-KR" sz="900" b="0" i="0" u="none" strike="noStrike" cap="none" normalizeH="0" baseline="0" dirty="0">
                 <a:ln>
@@ -33645,7 +34577,7 @@
           <p:cNvPr id="12" name="직선 화살표 연결선 11">
             <a:extLst>
               <a:ext uri="{FF2B5EF4-FFF2-40B4-BE49-F238E27FC236}">
-                <a16:creationId xmlns:a16="http://schemas.microsoft.com/office/drawing/2014/main" id="{BA403B85-B8BE-CD30-2192-B37D21154562}"/>
+                <a16:creationId xmlns:a16="http://schemas.microsoft.com/office/drawing/2014/main" xmlns="" id="{BA403B85-B8BE-CD30-2192-B37D21154562}"/>
               </a:ext>
             </a:extLst>
           </p:cNvPr>
@@ -33691,7 +34623,7 @@
           <p:cNvPr id="16" name="Rectangle 2">
             <a:extLst>
               <a:ext uri="{FF2B5EF4-FFF2-40B4-BE49-F238E27FC236}">
-                <a16:creationId xmlns:a16="http://schemas.microsoft.com/office/drawing/2014/main" id="{5D1B7231-90AC-9799-F90C-A9C94FEEE102}"/>
+                <a16:creationId xmlns:a16="http://schemas.microsoft.com/office/drawing/2014/main" xmlns="" id="{5D1B7231-90AC-9799-F90C-A9C94FEEE102}"/>
               </a:ext>
             </a:extLst>
           </p:cNvPr>
@@ -33860,6 +34792,20 @@
               </a:rPr>
               <a:t>Path</a:t>
             </a:r>
+            <a:r>
+              <a:rPr kumimoji="0" lang="ko-KR" altLang="ko-KR" sz="900" b="0" i="0" u="none" strike="noStrike" cap="none" normalizeH="0" baseline="0" dirty="0">
+                <a:ln>
+                  <a:noFill/>
+                </a:ln>
+                <a:solidFill>
+                  <a:srgbClr val="BCBEC4"/>
+                </a:solidFill>
+                <a:effectLst/>
+                <a:latin typeface="Arial Unicode MS"/>
+                <a:ea typeface="JetBrains Mono"/>
+              </a:rPr>
+              <a:t/>
+            </a:r>
             <a:br>
               <a:rPr kumimoji="0" lang="ko-KR" altLang="ko-KR" sz="900" b="0" i="0" u="none" strike="noStrike" cap="none" normalizeH="0" baseline="0" dirty="0">
                 <a:ln>
@@ -33915,6 +34861,20 @@
               </a:rPr>
               <a:t>os</a:t>
             </a:r>
+            <a:r>
+              <a:rPr kumimoji="0" lang="ko-KR" altLang="ko-KR" sz="900" b="0" i="0" u="none" strike="noStrike" cap="none" normalizeH="0" baseline="0" dirty="0">
+                <a:ln>
+                  <a:noFill/>
+                </a:ln>
+                <a:solidFill>
+                  <a:srgbClr val="BCBEC4"/>
+                </a:solidFill>
+                <a:effectLst/>
+                <a:latin typeface="Arial Unicode MS"/>
+                <a:ea typeface="JetBrains Mono"/>
+              </a:rPr>
+              <a:t/>
+            </a:r>
             <a:br>
               <a:rPr kumimoji="0" lang="ko-KR" altLang="ko-KR" sz="900" b="0" i="0" u="none" strike="noStrike" cap="none" normalizeH="0" baseline="0" dirty="0">
                 <a:ln>
@@ -34025,6 +34985,20 @@
                 <a:ea typeface="JetBrains Mono"/>
               </a:rPr>
             </a:br>
+            <a:r>
+              <a:rPr kumimoji="0" lang="ko-KR" altLang="ko-KR" sz="900" b="0" i="0" u="none" strike="noStrike" cap="none" normalizeH="0" baseline="0" dirty="0">
+                <a:ln>
+                  <a:noFill/>
+                </a:ln>
+                <a:solidFill>
+                  <a:srgbClr val="BCBEC4"/>
+                </a:solidFill>
+                <a:effectLst/>
+                <a:latin typeface="Arial Unicode MS"/>
+                <a:ea typeface="JetBrains Mono"/>
+              </a:rPr>
+              <a:t/>
+            </a:r>
             <a:br>
               <a:rPr kumimoji="0" lang="ko-KR" altLang="ko-KR" sz="900" b="0" i="0" u="none" strike="noStrike" cap="none" normalizeH="0" baseline="0" dirty="0">
                 <a:ln>
@@ -34273,6 +35247,20 @@
                 <a:ea typeface="JetBrains Mono"/>
               </a:rPr>
             </a:br>
+            <a:r>
+              <a:rPr kumimoji="0" lang="ko-KR" altLang="ko-KR" sz="900" b="0" i="0" u="none" strike="noStrike" cap="none" normalizeH="0" baseline="0" dirty="0">
+                <a:ln>
+                  <a:noFill/>
+                </a:ln>
+                <a:solidFill>
+                  <a:srgbClr val="6AAB73"/>
+                </a:solidFill>
+                <a:effectLst/>
+                <a:latin typeface="Arial Unicode MS"/>
+                <a:ea typeface="JetBrains Mono"/>
+              </a:rPr>
+              <a:t/>
+            </a:r>
             <a:br>
               <a:rPr kumimoji="0" lang="ko-KR" altLang="ko-KR" sz="900" b="0" i="0" u="none" strike="noStrike" cap="none" normalizeH="0" baseline="0" dirty="0">
                 <a:ln>
@@ -34670,6 +35658,20 @@
                 <a:ea typeface="JetBrains Mono"/>
               </a:rPr>
             </a:br>
+            <a:r>
+              <a:rPr kumimoji="0" lang="ko-KR" altLang="ko-KR" sz="900" b="0" i="0" u="none" strike="noStrike" cap="none" normalizeH="0" baseline="0" dirty="0">
+                <a:ln>
+                  <a:noFill/>
+                </a:ln>
+                <a:solidFill>
+                  <a:srgbClr val="6AAB73"/>
+                </a:solidFill>
+                <a:effectLst/>
+                <a:latin typeface="Arial Unicode MS"/>
+                <a:ea typeface="JetBrains Mono"/>
+              </a:rPr>
+              <a:t/>
+            </a:r>
             <a:br>
               <a:rPr kumimoji="0" lang="ko-KR" altLang="ko-KR" sz="900" b="0" i="0" u="none" strike="noStrike" cap="none" normalizeH="0" baseline="0" dirty="0">
                 <a:ln>
@@ -34780,6 +35782,20 @@
                 <a:ea typeface="JetBrains Mono"/>
               </a:rPr>
             </a:br>
+            <a:r>
+              <a:rPr kumimoji="0" lang="ko-KR" altLang="ko-KR" sz="900" b="0" i="0" u="none" strike="noStrike" cap="none" normalizeH="0" baseline="0" dirty="0">
+                <a:ln>
+                  <a:noFill/>
+                </a:ln>
+                <a:solidFill>
+                  <a:srgbClr val="6AAB73"/>
+                </a:solidFill>
+                <a:effectLst/>
+                <a:latin typeface="Arial Unicode MS"/>
+                <a:ea typeface="JetBrains Mono"/>
+              </a:rPr>
+              <a:t/>
+            </a:r>
             <a:br>
               <a:rPr kumimoji="0" lang="ko-KR" altLang="ko-KR" sz="900" b="0" i="0" u="none" strike="noStrike" cap="none" normalizeH="0" baseline="0" dirty="0">
                 <a:ln>
@@ -34821,6 +35837,20 @@
               </a:rPr>
               <a:t>True</a:t>
             </a:r>
+            <a:r>
+              <a:rPr kumimoji="0" lang="ko-KR" altLang="ko-KR" sz="900" b="0" i="0" u="none" strike="noStrike" cap="none" normalizeH="0" baseline="0" dirty="0">
+                <a:ln>
+                  <a:noFill/>
+                </a:ln>
+                <a:solidFill>
+                  <a:srgbClr val="CF8E6D"/>
+                </a:solidFill>
+                <a:effectLst/>
+                <a:latin typeface="Arial Unicode MS"/>
+                <a:ea typeface="JetBrains Mono"/>
+              </a:rPr>
+              <a:t/>
+            </a:r>
             <a:br>
               <a:rPr kumimoji="0" lang="ko-KR" altLang="ko-KR" sz="900" b="0" i="0" u="none" strike="noStrike" cap="none" normalizeH="0" baseline="0" dirty="0">
                 <a:ln>
@@ -34834,6 +35864,20 @@
                 <a:ea typeface="JetBrains Mono"/>
               </a:rPr>
             </a:br>
+            <a:r>
+              <a:rPr kumimoji="0" lang="ko-KR" altLang="ko-KR" sz="900" b="0" i="0" u="none" strike="noStrike" cap="none" normalizeH="0" baseline="0" dirty="0">
+                <a:ln>
+                  <a:noFill/>
+                </a:ln>
+                <a:solidFill>
+                  <a:srgbClr val="CF8E6D"/>
+                </a:solidFill>
+                <a:effectLst/>
+                <a:latin typeface="Arial Unicode MS"/>
+                <a:ea typeface="JetBrains Mono"/>
+              </a:rPr>
+              <a:t/>
+            </a:r>
             <a:br>
               <a:rPr kumimoji="0" lang="ko-KR" altLang="ko-KR" sz="900" b="0" i="0" u="none" strike="noStrike" cap="none" normalizeH="0" baseline="0" dirty="0">
                 <a:ln>
@@ -34921,7 +35965,7 @@
           <p:cNvPr id="17" name="직사각형 16">
             <a:extLst>
               <a:ext uri="{FF2B5EF4-FFF2-40B4-BE49-F238E27FC236}">
-                <a16:creationId xmlns:a16="http://schemas.microsoft.com/office/drawing/2014/main" id="{2692B42F-6BF3-9ED7-7F7E-912A29C3C3DC}"/>
+                <a16:creationId xmlns:a16="http://schemas.microsoft.com/office/drawing/2014/main" xmlns="" id="{2692B42F-6BF3-9ED7-7F7E-912A29C3C3DC}"/>
               </a:ext>
             </a:extLst>
           </p:cNvPr>
@@ -34973,7 +36017,7 @@
           <p:cNvPr id="18" name="직선 화살표 연결선 17">
             <a:extLst>
               <a:ext uri="{FF2B5EF4-FFF2-40B4-BE49-F238E27FC236}">
-                <a16:creationId xmlns:a16="http://schemas.microsoft.com/office/drawing/2014/main" id="{395ABF4D-D62E-3785-24BB-3B349084E487}"/>
+                <a16:creationId xmlns:a16="http://schemas.microsoft.com/office/drawing/2014/main" xmlns="" id="{395ABF4D-D62E-3785-24BB-3B349084E487}"/>
               </a:ext>
             </a:extLst>
           </p:cNvPr>
@@ -35019,7 +36063,7 @@
           <p:cNvPr id="23" name="TextBox 22">
             <a:extLst>
               <a:ext uri="{FF2B5EF4-FFF2-40B4-BE49-F238E27FC236}">
-                <a16:creationId xmlns:a16="http://schemas.microsoft.com/office/drawing/2014/main" id="{94397254-0D1C-BD87-A48F-3801999FF22D}"/>
+                <a16:creationId xmlns:a16="http://schemas.microsoft.com/office/drawing/2014/main" xmlns="" id="{94397254-0D1C-BD87-A48F-3801999FF22D}"/>
               </a:ext>
             </a:extLst>
           </p:cNvPr>
@@ -35055,7 +36099,7 @@
           <p:cNvPr id="26" name="TextBox 25">
             <a:extLst>
               <a:ext uri="{FF2B5EF4-FFF2-40B4-BE49-F238E27FC236}">
-                <a16:creationId xmlns:a16="http://schemas.microsoft.com/office/drawing/2014/main" id="{1A3B9546-E1D6-C28C-6A08-4BA9EEAC4C40}"/>
+                <a16:creationId xmlns:a16="http://schemas.microsoft.com/office/drawing/2014/main" xmlns="" id="{1A3B9546-E1D6-C28C-6A08-4BA9EEAC4C40}"/>
               </a:ext>
             </a:extLst>
           </p:cNvPr>
@@ -35121,7 +36165,7 @@
           <p:cNvPr id="12" name="직선 화살표 연결선 11">
             <a:extLst>
               <a:ext uri="{FF2B5EF4-FFF2-40B4-BE49-F238E27FC236}">
-                <a16:creationId xmlns:a16="http://schemas.microsoft.com/office/drawing/2014/main" id="{BA403B85-B8BE-CD30-2192-B37D21154562}"/>
+                <a16:creationId xmlns:a16="http://schemas.microsoft.com/office/drawing/2014/main" xmlns="" id="{BA403B85-B8BE-CD30-2192-B37D21154562}"/>
               </a:ext>
             </a:extLst>
           </p:cNvPr>
@@ -35167,7 +36211,7 @@
           <p:cNvPr id="18" name="직선 화살표 연결선 17">
             <a:extLst>
               <a:ext uri="{FF2B5EF4-FFF2-40B4-BE49-F238E27FC236}">
-                <a16:creationId xmlns:a16="http://schemas.microsoft.com/office/drawing/2014/main" id="{395ABF4D-D62E-3785-24BB-3B349084E487}"/>
+                <a16:creationId xmlns:a16="http://schemas.microsoft.com/office/drawing/2014/main" xmlns="" id="{395ABF4D-D62E-3785-24BB-3B349084E487}"/>
               </a:ext>
             </a:extLst>
           </p:cNvPr>
@@ -35213,7 +36257,7 @@
           <p:cNvPr id="32" name="그룹 31">
             <a:extLst>
               <a:ext uri="{FF2B5EF4-FFF2-40B4-BE49-F238E27FC236}">
-                <a16:creationId xmlns:a16="http://schemas.microsoft.com/office/drawing/2014/main" id="{42AB5303-885E-555E-9B34-3C2A208DB92B}"/>
+                <a16:creationId xmlns:a16="http://schemas.microsoft.com/office/drawing/2014/main" xmlns="" id="{42AB5303-885E-555E-9B34-3C2A208DB92B}"/>
               </a:ext>
             </a:extLst>
           </p:cNvPr>
@@ -35233,7 +36277,7 @@
             <p:cNvPr id="5" name="그림 4">
               <a:extLst>
                 <a:ext uri="{FF2B5EF4-FFF2-40B4-BE49-F238E27FC236}">
-                  <a16:creationId xmlns:a16="http://schemas.microsoft.com/office/drawing/2014/main" id="{B435C393-F58D-6FEC-9D09-4ABB8DDCC0A6}"/>
+                  <a16:creationId xmlns:a16="http://schemas.microsoft.com/office/drawing/2014/main" xmlns="" id="{B435C393-F58D-6FEC-9D09-4ABB8DDCC0A6}"/>
                 </a:ext>
               </a:extLst>
             </p:cNvPr>
@@ -35263,7 +36307,7 @@
             <p:cNvPr id="2" name="직사각형 1">
               <a:extLst>
                 <a:ext uri="{FF2B5EF4-FFF2-40B4-BE49-F238E27FC236}">
-                  <a16:creationId xmlns:a16="http://schemas.microsoft.com/office/drawing/2014/main" id="{D025AB9E-6CA2-8A78-674E-EF4FDE916827}"/>
+                  <a16:creationId xmlns:a16="http://schemas.microsoft.com/office/drawing/2014/main" xmlns="" id="{D025AB9E-6CA2-8A78-674E-EF4FDE916827}"/>
                 </a:ext>
               </a:extLst>
             </p:cNvPr>
@@ -35315,7 +36359,7 @@
             <p:cNvPr id="3" name="직사각형 2">
               <a:extLst>
                 <a:ext uri="{FF2B5EF4-FFF2-40B4-BE49-F238E27FC236}">
-                  <a16:creationId xmlns:a16="http://schemas.microsoft.com/office/drawing/2014/main" id="{3DF280BD-43D1-74D8-6D9C-72439FB22075}"/>
+                  <a16:creationId xmlns:a16="http://schemas.microsoft.com/office/drawing/2014/main" xmlns="" id="{3DF280BD-43D1-74D8-6D9C-72439FB22075}"/>
                 </a:ext>
               </a:extLst>
             </p:cNvPr>
@@ -35368,7 +36412,7 @@
           <p:cNvPr id="24" name="그룹 23">
             <a:extLst>
               <a:ext uri="{FF2B5EF4-FFF2-40B4-BE49-F238E27FC236}">
-                <a16:creationId xmlns:a16="http://schemas.microsoft.com/office/drawing/2014/main" id="{2DF99BF8-9EE3-7400-DBA5-54524BD0C7FF}"/>
+                <a16:creationId xmlns:a16="http://schemas.microsoft.com/office/drawing/2014/main" xmlns="" id="{2DF99BF8-9EE3-7400-DBA5-54524BD0C7FF}"/>
               </a:ext>
             </a:extLst>
           </p:cNvPr>
@@ -35388,7 +36432,7 @@
             <p:cNvPr id="23" name="TextBox 22">
               <a:extLst>
                 <a:ext uri="{FF2B5EF4-FFF2-40B4-BE49-F238E27FC236}">
-                  <a16:creationId xmlns:a16="http://schemas.microsoft.com/office/drawing/2014/main" id="{94397254-0D1C-BD87-A48F-3801999FF22D}"/>
+                  <a16:creationId xmlns:a16="http://schemas.microsoft.com/office/drawing/2014/main" xmlns="" id="{94397254-0D1C-BD87-A48F-3801999FF22D}"/>
                 </a:ext>
               </a:extLst>
             </p:cNvPr>
@@ -35424,7 +36468,7 @@
             <p:cNvPr id="26" name="TextBox 25">
               <a:extLst>
                 <a:ext uri="{FF2B5EF4-FFF2-40B4-BE49-F238E27FC236}">
-                  <a16:creationId xmlns:a16="http://schemas.microsoft.com/office/drawing/2014/main" id="{1A3B9546-E1D6-C28C-6A08-4BA9EEAC4C40}"/>
+                  <a16:creationId xmlns:a16="http://schemas.microsoft.com/office/drawing/2014/main" xmlns="" id="{1A3B9546-E1D6-C28C-6A08-4BA9EEAC4C40}"/>
                 </a:ext>
               </a:extLst>
             </p:cNvPr>
@@ -35460,7 +36504,7 @@
             <p:cNvPr id="9" name="Rectangle 1">
               <a:extLst>
                 <a:ext uri="{FF2B5EF4-FFF2-40B4-BE49-F238E27FC236}">
-                  <a16:creationId xmlns:a16="http://schemas.microsoft.com/office/drawing/2014/main" id="{6504859C-B73D-1F77-B6C3-B4227EE785FD}"/>
+                  <a16:creationId xmlns:a16="http://schemas.microsoft.com/office/drawing/2014/main" xmlns="" id="{6504859C-B73D-1F77-B6C3-B4227EE785FD}"/>
                 </a:ext>
               </a:extLst>
             </p:cNvPr>
@@ -35629,6 +36673,20 @@
                 </a:rPr>
                 <a:t>admin</a:t>
               </a:r>
+              <a:r>
+                <a:rPr kumimoji="0" lang="ko-KR" altLang="ko-KR" sz="900" b="0" i="0" u="none" strike="noStrike" cap="none" normalizeH="0" baseline="0" dirty="0">
+                  <a:ln>
+                    <a:noFill/>
+                  </a:ln>
+                  <a:solidFill>
+                    <a:srgbClr val="BCBEC4"/>
+                  </a:solidFill>
+                  <a:effectLst/>
+                  <a:latin typeface="Arial Unicode MS"/>
+                  <a:ea typeface="JetBrains Mono"/>
+                </a:rPr>
+                <a:t/>
+              </a:r>
               <a:br>
                 <a:rPr kumimoji="0" lang="ko-KR" altLang="ko-KR" sz="900" b="0" i="0" u="none" strike="noStrike" cap="none" normalizeH="0" baseline="0" dirty="0">
                   <a:ln>
@@ -35739,6 +36797,20 @@
                   <a:ea typeface="JetBrains Mono"/>
                 </a:rPr>
                 <a:t>path</a:t>
+              </a:r>
+              <a:r>
+                <a:rPr kumimoji="0" lang="ko-KR" altLang="ko-KR" sz="900" b="0" i="0" u="none" strike="noStrike" cap="none" normalizeH="0" baseline="0" dirty="0">
+                  <a:ln>
+                    <a:noFill/>
+                  </a:ln>
+                  <a:solidFill>
+                    <a:srgbClr val="BCBEC4"/>
+                  </a:solidFill>
+                  <a:effectLst/>
+                  <a:latin typeface="Arial Unicode MS"/>
+                  <a:ea typeface="JetBrains Mono"/>
+                </a:rPr>
+                <a:t/>
               </a:r>
               <a:br>
                 <a:rPr kumimoji="0" lang="ko-KR" altLang="ko-KR" sz="900" b="0" i="0" u="none" strike="noStrike" cap="none" normalizeH="0" baseline="0" dirty="0">
@@ -35921,6 +36993,20 @@
                 </a:rPr>
                 <a:t>home</a:t>
               </a:r>
+              <a:r>
+                <a:rPr kumimoji="0" lang="ko-KR" altLang="ko-KR" sz="900" b="0" i="0" u="none" strike="noStrike" cap="none" normalizeH="0" baseline="0" dirty="0">
+                  <a:ln>
+                    <a:noFill/>
+                  </a:ln>
+                  <a:solidFill>
+                    <a:srgbClr val="BCBEC4"/>
+                  </a:solidFill>
+                  <a:effectLst/>
+                  <a:latin typeface="Arial Unicode MS"/>
+                  <a:ea typeface="JetBrains Mono"/>
+                </a:rPr>
+                <a:t/>
+              </a:r>
               <a:br>
                 <a:rPr kumimoji="0" lang="ko-KR" altLang="ko-KR" sz="900" b="0" i="0" u="none" strike="noStrike" cap="none" normalizeH="0" baseline="0" dirty="0">
                   <a:ln>
@@ -35934,6 +37020,20 @@
                   <a:ea typeface="JetBrains Mono"/>
                 </a:rPr>
               </a:br>
+              <a:r>
+                <a:rPr kumimoji="0" lang="ko-KR" altLang="ko-KR" sz="900" b="0" i="0" u="none" strike="noStrike" cap="none" normalizeH="0" baseline="0" dirty="0">
+                  <a:ln>
+                    <a:noFill/>
+                  </a:ln>
+                  <a:solidFill>
+                    <a:srgbClr val="BCBEC4"/>
+                  </a:solidFill>
+                  <a:effectLst/>
+                  <a:latin typeface="Arial Unicode MS"/>
+                  <a:ea typeface="JetBrains Mono"/>
+                </a:rPr>
+                <a:t/>
+              </a:r>
               <a:br>
                 <a:rPr kumimoji="0" lang="ko-KR" altLang="ko-KR" sz="900" b="0" i="0" u="none" strike="noStrike" cap="none" normalizeH="0" baseline="0" dirty="0">
                   <a:ln>
@@ -36828,7 +37928,7 @@
             <p:cNvPr id="11" name="Rectangle 2">
               <a:extLst>
                 <a:ext uri="{FF2B5EF4-FFF2-40B4-BE49-F238E27FC236}">
-                  <a16:creationId xmlns:a16="http://schemas.microsoft.com/office/drawing/2014/main" id="{024C509A-B398-734F-2FE7-2D0699757C98}"/>
+                  <a16:creationId xmlns:a16="http://schemas.microsoft.com/office/drawing/2014/main" xmlns="" id="{024C509A-B398-734F-2FE7-2D0699757C98}"/>
                 </a:ext>
               </a:extLst>
             </p:cNvPr>
@@ -37149,6 +38249,20 @@
                   <a:ea typeface="JetBrains Mono"/>
                 </a:rPr>
               </a:br>
+              <a:r>
+                <a:rPr kumimoji="0" lang="ko-KR" altLang="ko-KR" sz="800" b="0" i="0" u="none" strike="noStrike" cap="none" normalizeH="0" baseline="0" dirty="0">
+                  <a:ln>
+                    <a:noFill/>
+                  </a:ln>
+                  <a:solidFill>
+                    <a:srgbClr val="BCBEC4"/>
+                  </a:solidFill>
+                  <a:effectLst/>
+                  <a:latin typeface="Arial Unicode MS"/>
+                  <a:ea typeface="JetBrains Mono"/>
+                </a:rPr>
+                <a:t/>
+              </a:r>
               <a:br>
                 <a:rPr kumimoji="0" lang="ko-KR" altLang="ko-KR" sz="800" b="0" i="0" u="none" strike="noStrike" cap="none" normalizeH="0" baseline="0" dirty="0">
                   <a:ln>
@@ -37661,6 +38775,20 @@
                   <a:ea typeface="JetBrains Mono"/>
                 </a:rPr>
               </a:br>
+              <a:r>
+                <a:rPr kumimoji="0" lang="ko-KR" altLang="ko-KR" sz="800" b="0" i="0" u="none" strike="noStrike" cap="none" normalizeH="0" baseline="0" dirty="0">
+                  <a:ln>
+                    <a:noFill/>
+                  </a:ln>
+                  <a:solidFill>
+                    <a:srgbClr val="BCBEC4"/>
+                  </a:solidFill>
+                  <a:effectLst/>
+                  <a:latin typeface="Arial Unicode MS"/>
+                  <a:ea typeface="JetBrains Mono"/>
+                </a:rPr>
+                <a:t/>
+              </a:r>
               <a:br>
                 <a:rPr kumimoji="0" lang="ko-KR" altLang="ko-KR" sz="800" b="0" i="0" u="none" strike="noStrike" cap="none" normalizeH="0" baseline="0" dirty="0">
                   <a:ln>
@@ -37938,6 +39066,20 @@
                 </a:rPr>
                 <a:t>ip_address</a:t>
               </a:r>
+              <a:r>
+                <a:rPr kumimoji="0" lang="ko-KR" altLang="ko-KR" sz="800" b="0" i="0" u="none" strike="noStrike" cap="none" normalizeH="0" baseline="0" dirty="0">
+                  <a:ln>
+                    <a:noFill/>
+                  </a:ln>
+                  <a:solidFill>
+                    <a:srgbClr val="BCBEC4"/>
+                  </a:solidFill>
+                  <a:effectLst/>
+                  <a:latin typeface="Arial Unicode MS"/>
+                  <a:ea typeface="JetBrains Mono"/>
+                </a:rPr>
+                <a:t/>
+              </a:r>
               <a:br>
                 <a:rPr kumimoji="0" lang="ko-KR" altLang="ko-KR" sz="800" b="0" i="0" u="none" strike="noStrike" cap="none" normalizeH="0" baseline="0" dirty="0">
                   <a:ln>
@@ -37951,6 +39093,20 @@
                   <a:ea typeface="JetBrains Mono"/>
                 </a:rPr>
               </a:br>
+              <a:r>
+                <a:rPr kumimoji="0" lang="ko-KR" altLang="ko-KR" sz="800" b="0" i="0" u="none" strike="noStrike" cap="none" normalizeH="0" baseline="0" dirty="0">
+                  <a:ln>
+                    <a:noFill/>
+                  </a:ln>
+                  <a:solidFill>
+                    <a:srgbClr val="BCBEC4"/>
+                  </a:solidFill>
+                  <a:effectLst/>
+                  <a:latin typeface="Arial Unicode MS"/>
+                  <a:ea typeface="JetBrains Mono"/>
+                </a:rPr>
+                <a:t/>
+              </a:r>
               <a:br>
                 <a:rPr kumimoji="0" lang="ko-KR" altLang="ko-KR" sz="800" b="0" i="0" u="none" strike="noStrike" cap="none" normalizeH="0" baseline="0" dirty="0">
                   <a:ln>
@@ -38172,6 +39328,20 @@
                   <a:ea typeface="JetBrains Mono"/>
                 </a:rPr>
               </a:br>
+              <a:r>
+                <a:rPr kumimoji="0" lang="ko-KR" altLang="ko-KR" sz="800" b="0" i="0" u="none" strike="noStrike" cap="none" normalizeH="0" baseline="0" dirty="0">
+                  <a:ln>
+                    <a:noFill/>
+                  </a:ln>
+                  <a:solidFill>
+                    <a:srgbClr val="BCBEC4"/>
+                  </a:solidFill>
+                  <a:effectLst/>
+                  <a:latin typeface="Arial Unicode MS"/>
+                  <a:ea typeface="JetBrains Mono"/>
+                </a:rPr>
+                <a:t/>
+              </a:r>
               <a:br>
                 <a:rPr kumimoji="0" lang="ko-KR" altLang="ko-KR" sz="800" b="0" i="0" u="none" strike="noStrike" cap="none" normalizeH="0" baseline="0" dirty="0">
                   <a:ln>
@@ -38906,6 +40076,20 @@
                   <a:ea typeface="JetBrains Mono"/>
                 </a:rPr>
               </a:br>
+              <a:r>
+                <a:rPr kumimoji="0" lang="ko-KR" altLang="ko-KR" sz="800" b="0" i="0" u="none" strike="noStrike" cap="none" normalizeH="0" baseline="0" dirty="0">
+                  <a:ln>
+                    <a:noFill/>
+                  </a:ln>
+                  <a:solidFill>
+                    <a:srgbClr val="BCBEC4"/>
+                  </a:solidFill>
+                  <a:effectLst/>
+                  <a:latin typeface="Arial Unicode MS"/>
+                  <a:ea typeface="JetBrains Mono"/>
+                </a:rPr>
+                <a:t/>
+              </a:r>
               <a:br>
                 <a:rPr kumimoji="0" lang="ko-KR" altLang="ko-KR" sz="800" b="0" i="0" u="none" strike="noStrike" cap="none" normalizeH="0" baseline="0" dirty="0">
                   <a:ln>
@@ -39030,6 +40214,20 @@
                   <a:ea typeface="JetBrains Mono"/>
                 </a:rPr>
               </a:br>
+              <a:r>
+                <a:rPr kumimoji="0" lang="ko-KR" altLang="ko-KR" sz="800" b="0" i="0" u="none" strike="noStrike" cap="none" normalizeH="0" baseline="0" dirty="0">
+                  <a:ln>
+                    <a:noFill/>
+                  </a:ln>
+                  <a:solidFill>
+                    <a:srgbClr val="BCBEC4"/>
+                  </a:solidFill>
+                  <a:effectLst/>
+                  <a:latin typeface="Arial Unicode MS"/>
+                  <a:ea typeface="JetBrains Mono"/>
+                </a:rPr>
+                <a:t/>
+              </a:r>
               <a:br>
                 <a:rPr kumimoji="0" lang="ko-KR" altLang="ko-KR" sz="800" b="0" i="0" u="none" strike="noStrike" cap="none" normalizeH="0" baseline="0" dirty="0">
                   <a:ln>
@@ -39597,6 +40795,20 @@
                 </a:rPr>
                 <a:t>num_items</a:t>
               </a:r>
+              <a:r>
+                <a:rPr kumimoji="0" lang="ko-KR" altLang="ko-KR" sz="800" b="0" i="0" u="none" strike="noStrike" cap="none" normalizeH="0" baseline="0" dirty="0">
+                  <a:ln>
+                    <a:noFill/>
+                  </a:ln>
+                  <a:solidFill>
+                    <a:srgbClr val="BCBEC4"/>
+                  </a:solidFill>
+                  <a:effectLst/>
+                  <a:latin typeface="Arial Unicode MS"/>
+                  <a:ea typeface="JetBrains Mono"/>
+                </a:rPr>
+                <a:t/>
+              </a:r>
               <a:br>
                 <a:rPr kumimoji="0" lang="ko-KR" altLang="ko-KR" sz="800" b="0" i="0" u="none" strike="noStrike" cap="none" normalizeH="0" baseline="0" dirty="0">
                   <a:ln>
@@ -39637,6 +40849,20 @@
                   <a:ea typeface="JetBrains Mono"/>
                 </a:rPr>
               </a:br>
+              <a:r>
+                <a:rPr kumimoji="0" lang="ko-KR" altLang="ko-KR" sz="800" b="0" i="0" u="none" strike="noStrike" cap="none" normalizeH="0" baseline="0" dirty="0">
+                  <a:ln>
+                    <a:noFill/>
+                  </a:ln>
+                  <a:solidFill>
+                    <a:srgbClr val="BCBEC4"/>
+                  </a:solidFill>
+                  <a:effectLst/>
+                  <a:latin typeface="Arial Unicode MS"/>
+                  <a:ea typeface="JetBrains Mono"/>
+                </a:rPr>
+                <a:t/>
+              </a:r>
               <a:br>
                 <a:rPr kumimoji="0" lang="ko-KR" altLang="ko-KR" sz="800" b="0" i="0" u="none" strike="noStrike" cap="none" normalizeH="0" baseline="0" dirty="0">
                   <a:ln>
@@ -40096,6 +41322,20 @@
                   <a:ea typeface="JetBrains Mono"/>
                 </a:rPr>
               </a:br>
+              <a:r>
+                <a:rPr kumimoji="0" lang="ko-KR" altLang="ko-KR" sz="800" b="0" i="0" u="none" strike="noStrike" cap="none" normalizeH="0" baseline="0" dirty="0">
+                  <a:ln>
+                    <a:noFill/>
+                  </a:ln>
+                  <a:solidFill>
+                    <a:srgbClr val="BCBEC4"/>
+                  </a:solidFill>
+                  <a:effectLst/>
+                  <a:latin typeface="Arial Unicode MS"/>
+                  <a:ea typeface="JetBrains Mono"/>
+                </a:rPr>
+                <a:t/>
+              </a:r>
               <a:br>
                 <a:rPr kumimoji="0" lang="ko-KR" altLang="ko-KR" sz="800" b="0" i="0" u="none" strike="noStrike" cap="none" normalizeH="0" baseline="0" dirty="0">
                   <a:ln>
@@ -40338,7 +41578,7 @@
           <p:cNvPr id="19" name="그림 18">
             <a:extLst>
               <a:ext uri="{FF2B5EF4-FFF2-40B4-BE49-F238E27FC236}">
-                <a16:creationId xmlns:a16="http://schemas.microsoft.com/office/drawing/2014/main" id="{5AD8B5D0-99B9-07FD-4071-EDBC01D84F4D}"/>
+                <a16:creationId xmlns:a16="http://schemas.microsoft.com/office/drawing/2014/main" xmlns="" id="{5AD8B5D0-99B9-07FD-4071-EDBC01D84F4D}"/>
               </a:ext>
             </a:extLst>
           </p:cNvPr>
@@ -40368,7 +41608,7 @@
           <p:cNvPr id="29" name="그림 28">
             <a:extLst>
               <a:ext uri="{FF2B5EF4-FFF2-40B4-BE49-F238E27FC236}">
-                <a16:creationId xmlns:a16="http://schemas.microsoft.com/office/drawing/2014/main" id="{920FEC44-E4C7-33A8-584E-38901F059F4A}"/>
+                <a16:creationId xmlns:a16="http://schemas.microsoft.com/office/drawing/2014/main" xmlns="" id="{920FEC44-E4C7-33A8-584E-38901F059F4A}"/>
               </a:ext>
             </a:extLst>
           </p:cNvPr>
@@ -40398,7 +41638,7 @@
           <p:cNvPr id="30" name="화살표: 오른쪽 29">
             <a:extLst>
               <a:ext uri="{FF2B5EF4-FFF2-40B4-BE49-F238E27FC236}">
-                <a16:creationId xmlns:a16="http://schemas.microsoft.com/office/drawing/2014/main" id="{E7B7F9D3-F2CE-DE35-8238-BBB7B01F7C03}"/>
+                <a16:creationId xmlns:a16="http://schemas.microsoft.com/office/drawing/2014/main" xmlns="" id="{E7B7F9D3-F2CE-DE35-8238-BBB7B01F7C03}"/>
               </a:ext>
             </a:extLst>
           </p:cNvPr>
@@ -40444,7 +41684,7 @@
           <p:cNvPr id="31" name="TextBox 30">
             <a:extLst>
               <a:ext uri="{FF2B5EF4-FFF2-40B4-BE49-F238E27FC236}">
-                <a16:creationId xmlns:a16="http://schemas.microsoft.com/office/drawing/2014/main" id="{04E7C03C-A442-D573-70D8-2A96320BBC84}"/>
+                <a16:creationId xmlns:a16="http://schemas.microsoft.com/office/drawing/2014/main" xmlns="" id="{04E7C03C-A442-D573-70D8-2A96320BBC84}"/>
               </a:ext>
             </a:extLst>
           </p:cNvPr>
